--- a/Ausblick Parallelisierung von Prozessen.pptx
+++ b/Ausblick Parallelisierung von Prozessen.pptx
@@ -5,10 +5,10 @@
     <p:sldMasterId id="2147483660" r:id="rId4"/>
   </p:sldMasterIdLst>
   <p:notesMasterIdLst>
-    <p:notesMasterId r:id="rId10"/>
+    <p:notesMasterId r:id="rId18"/>
   </p:notesMasterIdLst>
   <p:handoutMasterIdLst>
-    <p:handoutMasterId r:id="rId11"/>
+    <p:handoutMasterId r:id="rId19"/>
   </p:handoutMasterIdLst>
   <p:sldIdLst>
     <p:sldId id="257" r:id="rId5"/>
@@ -16,6 +16,14 @@
     <p:sldId id="259" r:id="rId7"/>
     <p:sldId id="260" r:id="rId8"/>
     <p:sldId id="261" r:id="rId9"/>
+    <p:sldId id="262" r:id="rId10"/>
+    <p:sldId id="264" r:id="rId11"/>
+    <p:sldId id="265" r:id="rId12"/>
+    <p:sldId id="266" r:id="rId13"/>
+    <p:sldId id="263" r:id="rId14"/>
+    <p:sldId id="267" r:id="rId15"/>
+    <p:sldId id="268" r:id="rId16"/>
+    <p:sldId id="269" r:id="rId17"/>
   </p:sldIdLst>
   <p:sldSz cx="12188825" cy="6858000"/>
   <p:notesSz cx="6858000" cy="9144000"/>
@@ -150,9 +158,186 @@
 <file path=ppt/changesInfos/changesInfo1.xml><?xml version="1.0" encoding="utf-8"?>
 <pc:chgInfo xmlns:a="http://schemas.openxmlformats.org/drawingml/2006/main" xmlns:r="http://schemas.openxmlformats.org/officeDocument/2006/relationships" xmlns:ac="http://schemas.microsoft.com/office/drawing/2013/main/command" xmlns:pc="http://schemas.microsoft.com/office/powerpoint/2013/main/command">
   <pc:docChgLst>
+    <pc:chgData name="Julius Seiferth" userId="ea979142e5c49f80" providerId="LiveId" clId="{89BF07EE-2B37-4F3D-95D0-167A3C6A7FE7}"/>
+    <pc:docChg chg="undo custSel addSld modSld sldOrd">
+      <pc:chgData name="Julius Seiferth" userId="ea979142e5c49f80" providerId="LiveId" clId="{89BF07EE-2B37-4F3D-95D0-167A3C6A7FE7}" dt="2021-11-26T15:10:11.327" v="1416" actId="20577"/>
+      <pc:docMkLst>
+        <pc:docMk/>
+      </pc:docMkLst>
+      <pc:sldChg chg="modSp mod">
+        <pc:chgData name="Julius Seiferth" userId="ea979142e5c49f80" providerId="LiveId" clId="{89BF07EE-2B37-4F3D-95D0-167A3C6A7FE7}" dt="2021-11-26T11:49:38.436" v="334" actId="27636"/>
+        <pc:sldMkLst>
+          <pc:docMk/>
+          <pc:sldMk cId="1905132003" sldId="262"/>
+        </pc:sldMkLst>
+        <pc:spChg chg="mod">
+          <ac:chgData name="Julius Seiferth" userId="ea979142e5c49f80" providerId="LiveId" clId="{89BF07EE-2B37-4F3D-95D0-167A3C6A7FE7}" dt="2021-11-26T11:49:38.436" v="334" actId="27636"/>
+          <ac:spMkLst>
+            <pc:docMk/>
+            <pc:sldMk cId="1905132003" sldId="262"/>
+            <ac:spMk id="3" creationId="{BA78E13C-FC09-4395-9023-A0D7A21477C7}"/>
+          </ac:spMkLst>
+        </pc:spChg>
+      </pc:sldChg>
+      <pc:sldChg chg="modSp mod">
+        <pc:chgData name="Julius Seiferth" userId="ea979142e5c49f80" providerId="LiveId" clId="{89BF07EE-2B37-4F3D-95D0-167A3C6A7FE7}" dt="2021-11-26T10:07:06.624" v="193" actId="20577"/>
+        <pc:sldMkLst>
+          <pc:docMk/>
+          <pc:sldMk cId="3781734561" sldId="263"/>
+        </pc:sldMkLst>
+        <pc:spChg chg="mod">
+          <ac:chgData name="Julius Seiferth" userId="ea979142e5c49f80" providerId="LiveId" clId="{89BF07EE-2B37-4F3D-95D0-167A3C6A7FE7}" dt="2021-11-26T10:07:06.624" v="193" actId="20577"/>
+          <ac:spMkLst>
+            <pc:docMk/>
+            <pc:sldMk cId="3781734561" sldId="263"/>
+            <ac:spMk id="3" creationId="{E3FFC7EC-E184-4BA5-92A5-901BE84FF65F}"/>
+          </ac:spMkLst>
+        </pc:spChg>
+      </pc:sldChg>
+      <pc:sldChg chg="modSp new mod ord">
+        <pc:chgData name="Julius Seiferth" userId="ea979142e5c49f80" providerId="LiveId" clId="{89BF07EE-2B37-4F3D-95D0-167A3C6A7FE7}" dt="2021-11-26T11:52:51.738" v="460" actId="20577"/>
+        <pc:sldMkLst>
+          <pc:docMk/>
+          <pc:sldMk cId="2350723879" sldId="264"/>
+        </pc:sldMkLst>
+        <pc:spChg chg="mod">
+          <ac:chgData name="Julius Seiferth" userId="ea979142e5c49f80" providerId="LiveId" clId="{89BF07EE-2B37-4F3D-95D0-167A3C6A7FE7}" dt="2021-11-26T10:11:12.666" v="241" actId="20577"/>
+          <ac:spMkLst>
+            <pc:docMk/>
+            <pc:sldMk cId="2350723879" sldId="264"/>
+            <ac:spMk id="2" creationId="{82DB29F9-6BBE-4FA4-BB48-CD0269641716}"/>
+          </ac:spMkLst>
+        </pc:spChg>
+        <pc:spChg chg="mod">
+          <ac:chgData name="Julius Seiferth" userId="ea979142e5c49f80" providerId="LiveId" clId="{89BF07EE-2B37-4F3D-95D0-167A3C6A7FE7}" dt="2021-11-26T11:52:51.738" v="460" actId="20577"/>
+          <ac:spMkLst>
+            <pc:docMk/>
+            <pc:sldMk cId="2350723879" sldId="264"/>
+            <ac:spMk id="3" creationId="{444586D8-233E-46EE-892D-4833B14497EC}"/>
+          </ac:spMkLst>
+        </pc:spChg>
+      </pc:sldChg>
+      <pc:sldChg chg="modSp new mod">
+        <pc:chgData name="Julius Seiferth" userId="ea979142e5c49f80" providerId="LiveId" clId="{89BF07EE-2B37-4F3D-95D0-167A3C6A7FE7}" dt="2021-11-26T11:55:12.338" v="612" actId="20577"/>
+        <pc:sldMkLst>
+          <pc:docMk/>
+          <pc:sldMk cId="1310568046" sldId="265"/>
+        </pc:sldMkLst>
+        <pc:spChg chg="mod">
+          <ac:chgData name="Julius Seiferth" userId="ea979142e5c49f80" providerId="LiveId" clId="{89BF07EE-2B37-4F3D-95D0-167A3C6A7FE7}" dt="2021-11-26T11:53:26.811" v="509" actId="313"/>
+          <ac:spMkLst>
+            <pc:docMk/>
+            <pc:sldMk cId="1310568046" sldId="265"/>
+            <ac:spMk id="2" creationId="{073FE278-FE9B-4708-A411-A541AB6926B4}"/>
+          </ac:spMkLst>
+        </pc:spChg>
+        <pc:spChg chg="mod">
+          <ac:chgData name="Julius Seiferth" userId="ea979142e5c49f80" providerId="LiveId" clId="{89BF07EE-2B37-4F3D-95D0-167A3C6A7FE7}" dt="2021-11-26T11:55:12.338" v="612" actId="20577"/>
+          <ac:spMkLst>
+            <pc:docMk/>
+            <pc:sldMk cId="1310568046" sldId="265"/>
+            <ac:spMk id="3" creationId="{230FA68C-3DFA-461A-9A57-D4184871F12E}"/>
+          </ac:spMkLst>
+        </pc:spChg>
+      </pc:sldChg>
+      <pc:sldChg chg="addSp modSp new mod">
+        <pc:chgData name="Julius Seiferth" userId="ea979142e5c49f80" providerId="LiveId" clId="{89BF07EE-2B37-4F3D-95D0-167A3C6A7FE7}" dt="2021-11-26T12:02:42.219" v="883" actId="20577"/>
+        <pc:sldMkLst>
+          <pc:docMk/>
+          <pc:sldMk cId="1566797149" sldId="266"/>
+        </pc:sldMkLst>
+        <pc:spChg chg="mod">
+          <ac:chgData name="Julius Seiferth" userId="ea979142e5c49f80" providerId="LiveId" clId="{89BF07EE-2B37-4F3D-95D0-167A3C6A7FE7}" dt="2021-11-26T11:56:04.431" v="614"/>
+          <ac:spMkLst>
+            <pc:docMk/>
+            <pc:sldMk cId="1566797149" sldId="266"/>
+            <ac:spMk id="2" creationId="{9C6602A1-96C7-46DF-8291-EE8EB67DEA1C}"/>
+          </ac:spMkLst>
+        </pc:spChg>
+        <pc:spChg chg="mod">
+          <ac:chgData name="Julius Seiferth" userId="ea979142e5c49f80" providerId="LiveId" clId="{89BF07EE-2B37-4F3D-95D0-167A3C6A7FE7}" dt="2021-11-26T12:02:42.219" v="883" actId="20577"/>
+          <ac:spMkLst>
+            <pc:docMk/>
+            <pc:sldMk cId="1566797149" sldId="266"/>
+            <ac:spMk id="3" creationId="{F5FB0DFE-C9E3-4BB7-BA83-980B8DD89A9C}"/>
+          </ac:spMkLst>
+        </pc:spChg>
+        <pc:picChg chg="add mod">
+          <ac:chgData name="Julius Seiferth" userId="ea979142e5c49f80" providerId="LiveId" clId="{89BF07EE-2B37-4F3D-95D0-167A3C6A7FE7}" dt="2021-11-26T12:01:25.132" v="840" actId="1076"/>
+          <ac:picMkLst>
+            <pc:docMk/>
+            <pc:sldMk cId="1566797149" sldId="266"/>
+            <ac:picMk id="4" creationId="{A0577CDD-3DBA-418B-95CD-AE26163F1FE0}"/>
+          </ac:picMkLst>
+        </pc:picChg>
+      </pc:sldChg>
+      <pc:sldChg chg="modSp new mod">
+        <pc:chgData name="Julius Seiferth" userId="ea979142e5c49f80" providerId="LiveId" clId="{89BF07EE-2B37-4F3D-95D0-167A3C6A7FE7}" dt="2021-11-26T13:04:16.834" v="1157" actId="20577"/>
+        <pc:sldMkLst>
+          <pc:docMk/>
+          <pc:sldMk cId="3224483387" sldId="267"/>
+        </pc:sldMkLst>
+        <pc:spChg chg="mod">
+          <ac:chgData name="Julius Seiferth" userId="ea979142e5c49f80" providerId="LiveId" clId="{89BF07EE-2B37-4F3D-95D0-167A3C6A7FE7}" dt="2021-11-26T12:41:23.838" v="892" actId="20577"/>
+          <ac:spMkLst>
+            <pc:docMk/>
+            <pc:sldMk cId="3224483387" sldId="267"/>
+            <ac:spMk id="2" creationId="{5BAE74BE-1DF0-426E-8D08-9EE08394162B}"/>
+          </ac:spMkLst>
+        </pc:spChg>
+        <pc:spChg chg="mod">
+          <ac:chgData name="Julius Seiferth" userId="ea979142e5c49f80" providerId="LiveId" clId="{89BF07EE-2B37-4F3D-95D0-167A3C6A7FE7}" dt="2021-11-26T13:04:16.834" v="1157" actId="20577"/>
+          <ac:spMkLst>
+            <pc:docMk/>
+            <pc:sldMk cId="3224483387" sldId="267"/>
+            <ac:spMk id="3" creationId="{B0D424A6-0849-4FAF-A188-2EF89AC8EECA}"/>
+          </ac:spMkLst>
+        </pc:spChg>
+      </pc:sldChg>
+      <pc:sldChg chg="modSp new mod">
+        <pc:chgData name="Julius Seiferth" userId="ea979142e5c49f80" providerId="LiveId" clId="{89BF07EE-2B37-4F3D-95D0-167A3C6A7FE7}" dt="2021-11-26T13:14:34.561" v="1414" actId="20578"/>
+        <pc:sldMkLst>
+          <pc:docMk/>
+          <pc:sldMk cId="2193191655" sldId="268"/>
+        </pc:sldMkLst>
+        <pc:spChg chg="mod">
+          <ac:chgData name="Julius Seiferth" userId="ea979142e5c49f80" providerId="LiveId" clId="{89BF07EE-2B37-4F3D-95D0-167A3C6A7FE7}" dt="2021-11-26T13:04:10.975" v="1154"/>
+          <ac:spMkLst>
+            <pc:docMk/>
+            <pc:sldMk cId="2193191655" sldId="268"/>
+            <ac:spMk id="2" creationId="{E72E55C3-6623-428A-8517-146067BE2D4B}"/>
+          </ac:spMkLst>
+        </pc:spChg>
+        <pc:spChg chg="mod">
+          <ac:chgData name="Julius Seiferth" userId="ea979142e5c49f80" providerId="LiveId" clId="{89BF07EE-2B37-4F3D-95D0-167A3C6A7FE7}" dt="2021-11-26T13:14:34.561" v="1414" actId="20578"/>
+          <ac:spMkLst>
+            <pc:docMk/>
+            <pc:sldMk cId="2193191655" sldId="268"/>
+            <ac:spMk id="3" creationId="{9516C86B-1352-446E-A9C6-9486334EF7B0}"/>
+          </ac:spMkLst>
+        </pc:spChg>
+      </pc:sldChg>
+      <pc:sldChg chg="modSp new mod">
+        <pc:chgData name="Julius Seiferth" userId="ea979142e5c49f80" providerId="LiveId" clId="{89BF07EE-2B37-4F3D-95D0-167A3C6A7FE7}" dt="2021-11-26T15:10:11.327" v="1416" actId="20577"/>
+        <pc:sldMkLst>
+          <pc:docMk/>
+          <pc:sldMk cId="2656089631" sldId="269"/>
+        </pc:sldMkLst>
+        <pc:spChg chg="mod">
+          <ac:chgData name="Julius Seiferth" userId="ea979142e5c49f80" providerId="LiveId" clId="{89BF07EE-2B37-4F3D-95D0-167A3C6A7FE7}" dt="2021-11-26T15:10:11.327" v="1416" actId="20577"/>
+          <ac:spMkLst>
+            <pc:docMk/>
+            <pc:sldMk cId="2656089631" sldId="269"/>
+            <ac:spMk id="2" creationId="{E191F1FE-5F0C-4C6E-B50C-2473621FE6CE}"/>
+          </ac:spMkLst>
+        </pc:spChg>
+      </pc:sldChg>
+    </pc:docChg>
+  </pc:docChgLst>
+  <pc:docChgLst>
     <pc:chgData name="Julius Seiferth" userId="ea979142e5c49f80" providerId="LiveId" clId="{1D4A05BC-8C8F-46B3-B830-12E229A5979D}"/>
     <pc:docChg chg="custSel addSld modSld">
-      <pc:chgData name="Julius Seiferth" userId="ea979142e5c49f80" providerId="LiveId" clId="{1D4A05BC-8C8F-46B3-B830-12E229A5979D}" dt="2021-10-26T21:13:34.958" v="1163" actId="20577"/>
+      <pc:chgData name="Julius Seiferth" userId="ea979142e5c49f80" providerId="LiveId" clId="{1D4A05BC-8C8F-46B3-B830-12E229A5979D}" dt="2021-11-06T18:43:20.295" v="1605" actId="20577"/>
       <pc:docMkLst>
         <pc:docMk/>
       </pc:docMkLst>
@@ -240,6 +425,44 @@
           </ac:spMkLst>
         </pc:spChg>
       </pc:sldChg>
+      <pc:sldChg chg="modSp new mod">
+        <pc:chgData name="Julius Seiferth" userId="ea979142e5c49f80" providerId="LiveId" clId="{1D4A05BC-8C8F-46B3-B830-12E229A5979D}" dt="2021-11-06T18:42:57.824" v="1575" actId="20577"/>
+        <pc:sldMkLst>
+          <pc:docMk/>
+          <pc:sldMk cId="1905132003" sldId="262"/>
+        </pc:sldMkLst>
+        <pc:spChg chg="mod">
+          <ac:chgData name="Julius Seiferth" userId="ea979142e5c49f80" providerId="LiveId" clId="{1D4A05BC-8C8F-46B3-B830-12E229A5979D}" dt="2021-11-06T18:42:57.824" v="1575" actId="20577"/>
+          <ac:spMkLst>
+            <pc:docMk/>
+            <pc:sldMk cId="1905132003" sldId="262"/>
+            <ac:spMk id="2" creationId="{C8853CD1-3F44-4331-B0BA-2B6B05F9484A}"/>
+          </ac:spMkLst>
+        </pc:spChg>
+        <pc:spChg chg="mod">
+          <ac:chgData name="Julius Seiferth" userId="ea979142e5c49f80" providerId="LiveId" clId="{1D4A05BC-8C8F-46B3-B830-12E229A5979D}" dt="2021-11-06T18:42:21.144" v="1537" actId="20577"/>
+          <ac:spMkLst>
+            <pc:docMk/>
+            <pc:sldMk cId="1905132003" sldId="262"/>
+            <ac:spMk id="3" creationId="{BA78E13C-FC09-4395-9023-A0D7A21477C7}"/>
+          </ac:spMkLst>
+        </pc:spChg>
+      </pc:sldChg>
+      <pc:sldChg chg="modSp new mod">
+        <pc:chgData name="Julius Seiferth" userId="ea979142e5c49f80" providerId="LiveId" clId="{1D4A05BC-8C8F-46B3-B830-12E229A5979D}" dt="2021-11-06T18:43:20.295" v="1605" actId="20577"/>
+        <pc:sldMkLst>
+          <pc:docMk/>
+          <pc:sldMk cId="3781734561" sldId="263"/>
+        </pc:sldMkLst>
+        <pc:spChg chg="mod">
+          <ac:chgData name="Julius Seiferth" userId="ea979142e5c49f80" providerId="LiveId" clId="{1D4A05BC-8C8F-46B3-B830-12E229A5979D}" dt="2021-11-06T18:43:20.295" v="1605" actId="20577"/>
+          <ac:spMkLst>
+            <pc:docMk/>
+            <pc:sldMk cId="3781734561" sldId="263"/>
+            <ac:spMk id="2" creationId="{F40676A7-E8D4-4DF6-B9FD-BE87A47F21BF}"/>
+          </ac:spMkLst>
+        </pc:spChg>
+      </pc:sldChg>
     </pc:docChg>
   </pc:docChgLst>
 </pc:chgInfo>
@@ -329,7 +552,7 @@
             <a:pPr algn="r" rtl="0"/>
             <a:fld id="{EA8C5A89-D750-4C9C-AD82-BD87E1631370}" type="datetime1">
               <a:rPr lang="de-DE" smtClean="0"/>
-              <a:t>26.10.2021</a:t>
+              <a:t>26.11.2021</a:t>
             </a:fld>
             <a:endParaRPr lang="de-DE" dirty="0"/>
           </a:p>
@@ -499,7 +722,7 @@
             <a:fld id="{729E0972-DB1D-4D71-93B8-56ECB99C47FF}" type="datetime1">
               <a:rPr lang="de-DE" smtClean="0"/>
               <a:pPr/>
-              <a:t>26.10.2021</a:t>
+              <a:t>26.11.2021</a:t>
             </a:fld>
             <a:endParaRPr lang="de-DE" dirty="0"/>
           </a:p>
@@ -1617,7 +1840,7 @@
             <a:fld id="{87490488-1D2D-45FC-A42D-25F856479C81}" type="datetime1">
               <a:rPr lang="de-DE" smtClean="0"/>
               <a:pPr/>
-              <a:t>26.10.2021</a:t>
+              <a:t>26.11.2021</a:t>
             </a:fld>
             <a:endParaRPr lang="de-DE" dirty="0"/>
           </a:p>
@@ -1823,7 +2046,7 @@
             <a:fld id="{A0E48D7D-22EE-42F4-A78D-BF51DA417E59}" type="datetime1">
               <a:rPr lang="de-DE" smtClean="0"/>
               <a:pPr/>
-              <a:t>26.10.2021</a:t>
+              <a:t>26.11.2021</a:t>
             </a:fld>
             <a:endParaRPr lang="de-DE" dirty="0"/>
           </a:p>
@@ -2039,7 +2262,7 @@
             <a:fld id="{29457F39-CBF0-4D6E-8223-6AABCE028B0C}" type="datetime1">
               <a:rPr lang="de-DE" smtClean="0"/>
               <a:pPr/>
-              <a:t>26.10.2021</a:t>
+              <a:t>26.11.2021</a:t>
             </a:fld>
             <a:endParaRPr lang="de-DE" dirty="0"/>
           </a:p>
@@ -2245,7 +2468,7 @@
             <a:fld id="{3D80A33B-F0D3-4CCD-934C-3A418D338F48}" type="datetime1">
               <a:rPr lang="de-DE" smtClean="0"/>
               <a:pPr/>
-              <a:t>26.10.2021</a:t>
+              <a:t>26.11.2021</a:t>
             </a:fld>
             <a:endParaRPr lang="de-DE" dirty="0"/>
           </a:p>
@@ -2685,7 +2908,7 @@
             <a:fld id="{5800029A-92A0-4B83-B83D-3D25E123C16B}" type="datetime1">
               <a:rPr lang="de-DE" smtClean="0"/>
               <a:pPr/>
-              <a:t>26.10.2021</a:t>
+              <a:t>26.11.2021</a:t>
             </a:fld>
             <a:endParaRPr lang="de-DE" dirty="0"/>
           </a:p>
@@ -2997,7 +3220,7 @@
             <a:fld id="{A50DE14F-832E-4243-A64C-072E4112B828}" type="datetime1">
               <a:rPr lang="de-DE" smtClean="0"/>
               <a:pPr/>
-              <a:t>26.10.2021</a:t>
+              <a:t>26.11.2021</a:t>
             </a:fld>
             <a:endParaRPr lang="de-DE" dirty="0"/>
           </a:p>
@@ -3461,7 +3684,7 @@
             <a:fld id="{9CA0E625-2BCF-471C-BF07-3E47DAD03A33}" type="datetime1">
               <a:rPr lang="de-DE" smtClean="0"/>
               <a:pPr/>
-              <a:t>26.10.2021</a:t>
+              <a:t>26.11.2021</a:t>
             </a:fld>
             <a:endParaRPr lang="de-DE" dirty="0"/>
           </a:p>
@@ -3599,7 +3822,7 @@
             <a:fld id="{01F216F1-5E6C-4D1E-8B04-BA461CF83008}" type="datetime1">
               <a:rPr lang="de-DE" smtClean="0"/>
               <a:pPr/>
-              <a:t>26.10.2021</a:t>
+              <a:t>26.11.2021</a:t>
             </a:fld>
             <a:endParaRPr lang="de-DE" dirty="0"/>
           </a:p>
@@ -3713,7 +3936,7 @@
             <a:fld id="{978460F5-0682-4F91-B958-17F2E22238F4}" type="datetime1">
               <a:rPr lang="de-DE" smtClean="0"/>
               <a:pPr/>
-              <a:t>26.10.2021</a:t>
+              <a:t>26.11.2021</a:t>
             </a:fld>
             <a:endParaRPr lang="de-DE" dirty="0"/>
           </a:p>
@@ -4020,7 +4243,7 @@
             <a:fld id="{432E1AF8-0C97-41FF-9C69-BFEB0F5A6EF5}" type="datetime1">
               <a:rPr lang="de-DE" smtClean="0"/>
               <a:pPr/>
-              <a:t>26.10.2021</a:t>
+              <a:t>26.11.2021</a:t>
             </a:fld>
             <a:endParaRPr lang="de-DE" dirty="0"/>
           </a:p>
@@ -4317,7 +4540,7 @@
             <a:fld id="{9DAA85DC-AC20-450F-8EFE-0D856D5BDC88}" type="datetime1">
               <a:rPr lang="de-DE" smtClean="0"/>
               <a:pPr/>
-              <a:t>26.10.2021</a:t>
+              <a:t>26.11.2021</a:t>
             </a:fld>
             <a:endParaRPr lang="de-DE" dirty="0"/>
           </a:p>
@@ -4941,7 +5164,7 @@
             <a:fld id="{D5E7EBCA-1808-4B9E-8140-5B390D90011A}" type="datetime1">
               <a:rPr lang="de-DE" smtClean="0"/>
               <a:pPr/>
-              <a:t>26.10.2021</a:t>
+              <a:t>26.11.2021</a:t>
             </a:fld>
             <a:endParaRPr lang="de-DE" dirty="0"/>
           </a:p>
@@ -5483,6 +5706,484 @@
 </p:sld>
 </file>
 
+<file path=ppt/slides/slide10.xml><?xml version="1.0" encoding="utf-8"?>
+<p:sld xmlns:a="http://schemas.openxmlformats.org/drawingml/2006/main" xmlns:r="http://schemas.openxmlformats.org/officeDocument/2006/relationships" xmlns:p="http://schemas.openxmlformats.org/presentationml/2006/main">
+  <p:cSld>
+    <p:spTree>
+      <p:nvGrpSpPr>
+        <p:cNvPr id="1" name=""/>
+        <p:cNvGrpSpPr/>
+        <p:nvPr/>
+      </p:nvGrpSpPr>
+      <p:grpSpPr>
+        <a:xfrm>
+          <a:off x="0" y="0"/>
+          <a:ext cx="0" cy="0"/>
+          <a:chOff x="0" y="0"/>
+          <a:chExt cx="0" cy="0"/>
+        </a:xfrm>
+      </p:grpSpPr>
+      <p:sp>
+        <p:nvSpPr>
+          <p:cNvPr id="2" name="Titel 1">
+            <a:extLst>
+              <a:ext uri="{FF2B5EF4-FFF2-40B4-BE49-F238E27FC236}">
+                <a16:creationId xmlns:a16="http://schemas.microsoft.com/office/drawing/2014/main" id="{F40676A7-E8D4-4DF6-B9FD-BE87A47F21BF}"/>
+              </a:ext>
+            </a:extLst>
+          </p:cNvPr>
+          <p:cNvSpPr>
+            <a:spLocks noGrp="1"/>
+          </p:cNvSpPr>
+          <p:nvPr>
+            <p:ph type="title"/>
+          </p:nvPr>
+        </p:nvSpPr>
+        <p:spPr/>
+        <p:txBody>
+          <a:bodyPr/>
+          <a:lstStyle/>
+          <a:p>
+            <a:r>
+              <a:rPr lang="de-DE" dirty="0"/>
+              <a:t>Synchronisation von Prozessen</a:t>
+            </a:r>
+          </a:p>
+        </p:txBody>
+      </p:sp>
+      <p:sp>
+        <p:nvSpPr>
+          <p:cNvPr id="3" name="Inhaltsplatzhalter 2">
+            <a:extLst>
+              <a:ext uri="{FF2B5EF4-FFF2-40B4-BE49-F238E27FC236}">
+                <a16:creationId xmlns:a16="http://schemas.microsoft.com/office/drawing/2014/main" id="{E3FFC7EC-E184-4BA5-92A5-901BE84FF65F}"/>
+              </a:ext>
+            </a:extLst>
+          </p:cNvPr>
+          <p:cNvSpPr>
+            <a:spLocks noGrp="1"/>
+          </p:cNvSpPr>
+          <p:nvPr>
+            <p:ph idx="1"/>
+          </p:nvPr>
+        </p:nvSpPr>
+        <p:spPr/>
+        <p:txBody>
+          <a:bodyPr/>
+          <a:lstStyle/>
+          <a:p>
+            <a:r>
+              <a:rPr lang="de-DE" dirty="0"/>
+              <a:t>Kombination aus paralleler und serieller Verarbeitung</a:t>
+            </a:r>
+          </a:p>
+          <a:p>
+            <a:endParaRPr lang="de-DE" dirty="0"/>
+          </a:p>
+          <a:p>
+            <a:r>
+              <a:rPr lang="de-DE" dirty="0"/>
+              <a:t>Prozesse können andere Prozesse starten</a:t>
+            </a:r>
+          </a:p>
+          <a:p>
+            <a:r>
+              <a:rPr lang="de-DE" dirty="0"/>
+              <a:t>Prozesse können andere Prozesse unterbrechen</a:t>
+            </a:r>
+          </a:p>
+          <a:p>
+            <a:r>
+              <a:rPr lang="de-DE" dirty="0"/>
+              <a:t>Prozesse können andere Prozesse beenden</a:t>
+            </a:r>
+          </a:p>
+          <a:p>
+            <a:r>
+              <a:rPr lang="de-DE" dirty="0"/>
+              <a:t>Prozesse können den Status anderer Prozesse abfragen</a:t>
+            </a:r>
+          </a:p>
+        </p:txBody>
+      </p:sp>
+    </p:spTree>
+    <p:extLst>
+      <p:ext uri="{BB962C8B-B14F-4D97-AF65-F5344CB8AC3E}">
+        <p14:creationId xmlns:p14="http://schemas.microsoft.com/office/powerpoint/2010/main" val="3781734561"/>
+      </p:ext>
+    </p:extLst>
+  </p:cSld>
+  <p:clrMapOvr>
+    <a:masterClrMapping/>
+  </p:clrMapOvr>
+  <mc:AlternateContent xmlns:mc="http://schemas.openxmlformats.org/markup-compatibility/2006" xmlns:p14="http://schemas.microsoft.com/office/powerpoint/2010/main">
+    <mc:Choice Requires="p14">
+      <p:transition spd="med" p14:dur="700">
+        <p:fade/>
+      </p:transition>
+    </mc:Choice>
+    <mc:Fallback xmlns="">
+      <p:transition spd="med">
+        <p:fade/>
+      </p:transition>
+    </mc:Fallback>
+  </mc:AlternateContent>
+</p:sld>
+</file>
+
+<file path=ppt/slides/slide11.xml><?xml version="1.0" encoding="utf-8"?>
+<p:sld xmlns:a="http://schemas.openxmlformats.org/drawingml/2006/main" xmlns:r="http://schemas.openxmlformats.org/officeDocument/2006/relationships" xmlns:p="http://schemas.openxmlformats.org/presentationml/2006/main">
+  <p:cSld>
+    <p:spTree>
+      <p:nvGrpSpPr>
+        <p:cNvPr id="1" name=""/>
+        <p:cNvGrpSpPr/>
+        <p:nvPr/>
+      </p:nvGrpSpPr>
+      <p:grpSpPr>
+        <a:xfrm>
+          <a:off x="0" y="0"/>
+          <a:ext cx="0" cy="0"/>
+          <a:chOff x="0" y="0"/>
+          <a:chExt cx="0" cy="0"/>
+        </a:xfrm>
+      </p:grpSpPr>
+      <p:sp>
+        <p:nvSpPr>
+          <p:cNvPr id="2" name="Titel 1">
+            <a:extLst>
+              <a:ext uri="{FF2B5EF4-FFF2-40B4-BE49-F238E27FC236}">
+                <a16:creationId xmlns:a16="http://schemas.microsoft.com/office/drawing/2014/main" id="{5BAE74BE-1DF0-426E-8D08-9EE08394162B}"/>
+              </a:ext>
+            </a:extLst>
+          </p:cNvPr>
+          <p:cNvSpPr>
+            <a:spLocks noGrp="1"/>
+          </p:cNvSpPr>
+          <p:nvPr>
+            <p:ph type="title"/>
+          </p:nvPr>
+        </p:nvSpPr>
+        <p:spPr/>
+        <p:txBody>
+          <a:bodyPr/>
+          <a:lstStyle/>
+          <a:p>
+            <a:r>
+              <a:rPr lang="de-DE" dirty="0"/>
+              <a:t>Semaphor</a:t>
+            </a:r>
+          </a:p>
+        </p:txBody>
+      </p:sp>
+      <p:sp>
+        <p:nvSpPr>
+          <p:cNvPr id="3" name="Inhaltsplatzhalter 2">
+            <a:extLst>
+              <a:ext uri="{FF2B5EF4-FFF2-40B4-BE49-F238E27FC236}">
+                <a16:creationId xmlns:a16="http://schemas.microsoft.com/office/drawing/2014/main" id="{B0D424A6-0849-4FAF-A188-2EF89AC8EECA}"/>
+              </a:ext>
+            </a:extLst>
+          </p:cNvPr>
+          <p:cNvSpPr>
+            <a:spLocks noGrp="1"/>
+          </p:cNvSpPr>
+          <p:nvPr>
+            <p:ph idx="1"/>
+          </p:nvPr>
+        </p:nvSpPr>
+        <p:spPr/>
+        <p:txBody>
+          <a:bodyPr/>
+          <a:lstStyle/>
+          <a:p>
+            <a:r>
+              <a:rPr lang="de-DE" dirty="0"/>
+              <a:t>Nach </a:t>
+            </a:r>
+            <a:r>
+              <a:rPr lang="de-DE" dirty="0" err="1"/>
+              <a:t>Edsger</a:t>
+            </a:r>
+            <a:r>
+              <a:rPr lang="de-DE" dirty="0"/>
+              <a:t> W. Dijkstra</a:t>
+            </a:r>
+          </a:p>
+          <a:p>
+            <a:r>
+              <a:rPr lang="de-DE" dirty="0"/>
+              <a:t>Verwalten von Ressourcen, Absichern von geschützten Bereichen</a:t>
+            </a:r>
+          </a:p>
+          <a:p>
+            <a:r>
+              <a:rPr lang="de-DE" dirty="0"/>
+              <a:t>Probieren/Reservieren -&gt; Arbeiten -&gt; Freigeben</a:t>
+            </a:r>
+          </a:p>
+          <a:p>
+            <a:endParaRPr lang="de-DE" dirty="0"/>
+          </a:p>
+        </p:txBody>
+      </p:sp>
+    </p:spTree>
+    <p:extLst>
+      <p:ext uri="{BB962C8B-B14F-4D97-AF65-F5344CB8AC3E}">
+        <p14:creationId xmlns:p14="http://schemas.microsoft.com/office/powerpoint/2010/main" val="3224483387"/>
+      </p:ext>
+    </p:extLst>
+  </p:cSld>
+  <p:clrMapOvr>
+    <a:masterClrMapping/>
+  </p:clrMapOvr>
+  <mc:AlternateContent xmlns:mc="http://schemas.openxmlformats.org/markup-compatibility/2006" xmlns:p14="http://schemas.microsoft.com/office/powerpoint/2010/main">
+    <mc:Choice Requires="p14">
+      <p:transition spd="med" p14:dur="700">
+        <p:fade/>
+      </p:transition>
+    </mc:Choice>
+    <mc:Fallback xmlns="">
+      <p:transition spd="med">
+        <p:fade/>
+      </p:transition>
+    </mc:Fallback>
+  </mc:AlternateContent>
+</p:sld>
+</file>
+
+<file path=ppt/slides/slide12.xml><?xml version="1.0" encoding="utf-8"?>
+<p:sld xmlns:a="http://schemas.openxmlformats.org/drawingml/2006/main" xmlns:r="http://schemas.openxmlformats.org/officeDocument/2006/relationships" xmlns:p="http://schemas.openxmlformats.org/presentationml/2006/main">
+  <p:cSld>
+    <p:spTree>
+      <p:nvGrpSpPr>
+        <p:cNvPr id="1" name=""/>
+        <p:cNvGrpSpPr/>
+        <p:nvPr/>
+      </p:nvGrpSpPr>
+      <p:grpSpPr>
+        <a:xfrm>
+          <a:off x="0" y="0"/>
+          <a:ext cx="0" cy="0"/>
+          <a:chOff x="0" y="0"/>
+          <a:chExt cx="0" cy="0"/>
+        </a:xfrm>
+      </p:grpSpPr>
+      <p:sp>
+        <p:nvSpPr>
+          <p:cNvPr id="2" name="Titel 1">
+            <a:extLst>
+              <a:ext uri="{FF2B5EF4-FFF2-40B4-BE49-F238E27FC236}">
+                <a16:creationId xmlns:a16="http://schemas.microsoft.com/office/drawing/2014/main" id="{E72E55C3-6623-428A-8517-146067BE2D4B}"/>
+              </a:ext>
+            </a:extLst>
+          </p:cNvPr>
+          <p:cNvSpPr>
+            <a:spLocks noGrp="1"/>
+          </p:cNvSpPr>
+          <p:nvPr>
+            <p:ph type="title"/>
+          </p:nvPr>
+        </p:nvSpPr>
+        <p:spPr/>
+        <p:txBody>
+          <a:bodyPr/>
+          <a:lstStyle/>
+          <a:p>
+            <a:r>
+              <a:rPr lang="de-DE" dirty="0"/>
+              <a:t>Semaphor</a:t>
+            </a:r>
+          </a:p>
+        </p:txBody>
+      </p:sp>
+      <p:sp>
+        <p:nvSpPr>
+          <p:cNvPr id="3" name="Inhaltsplatzhalter 2">
+            <a:extLst>
+              <a:ext uri="{FF2B5EF4-FFF2-40B4-BE49-F238E27FC236}">
+                <a16:creationId xmlns:a16="http://schemas.microsoft.com/office/drawing/2014/main" id="{9516C86B-1352-446E-A9C6-9486334EF7B0}"/>
+              </a:ext>
+            </a:extLst>
+          </p:cNvPr>
+          <p:cNvSpPr>
+            <a:spLocks noGrp="1"/>
+          </p:cNvSpPr>
+          <p:nvPr>
+            <p:ph idx="1"/>
+          </p:nvPr>
+        </p:nvSpPr>
+        <p:spPr/>
+        <p:txBody>
+          <a:bodyPr/>
+          <a:lstStyle/>
+          <a:p>
+            <a:r>
+              <a:rPr lang="de-DE" dirty="0"/>
+              <a:t>Zählervariable a mit der Anzahl an Ressourcen initialisiert</a:t>
+            </a:r>
+          </a:p>
+          <a:p>
+            <a:r>
+              <a:rPr lang="de-DE" dirty="0"/>
+              <a:t>Anfrage eines Prozesses zum Nutzen einer Ressource</a:t>
+            </a:r>
+          </a:p>
+          <a:p>
+            <a:r>
+              <a:rPr lang="de-DE" dirty="0"/>
+              <a:t>Versuch a zu dekrementieren</a:t>
+            </a:r>
+          </a:p>
+          <a:p>
+            <a:r>
+              <a:rPr lang="de-DE" dirty="0"/>
+              <a:t>a– nur möglich wenn a &gt; 0 ist</a:t>
+            </a:r>
+          </a:p>
+          <a:p>
+            <a:r>
+              <a:rPr lang="de-DE" dirty="0"/>
+              <a:t>Wenn a dekrementiert wurde kann der Prozess die Ressource nutzen</a:t>
+            </a:r>
+          </a:p>
+          <a:p>
+            <a:r>
+              <a:rPr lang="de-DE" dirty="0"/>
+              <a:t>Wenn a nicht dekrementiert wurde muss der Prozess warten</a:t>
+            </a:r>
+          </a:p>
+          <a:p>
+            <a:r>
+              <a:rPr lang="de-DE" dirty="0"/>
+              <a:t>Nach Beenden des Prozesses wird a inkrementiert </a:t>
+            </a:r>
+          </a:p>
+          <a:p>
+            <a:endParaRPr lang="de-DE" dirty="0"/>
+          </a:p>
+        </p:txBody>
+      </p:sp>
+    </p:spTree>
+    <p:extLst>
+      <p:ext uri="{BB962C8B-B14F-4D97-AF65-F5344CB8AC3E}">
+        <p14:creationId xmlns:p14="http://schemas.microsoft.com/office/powerpoint/2010/main" val="2193191655"/>
+      </p:ext>
+    </p:extLst>
+  </p:cSld>
+  <p:clrMapOvr>
+    <a:masterClrMapping/>
+  </p:clrMapOvr>
+  <mc:AlternateContent xmlns:mc="http://schemas.openxmlformats.org/markup-compatibility/2006" xmlns:p14="http://schemas.microsoft.com/office/powerpoint/2010/main">
+    <mc:Choice Requires="p14">
+      <p:transition spd="med" p14:dur="700">
+        <p:fade/>
+      </p:transition>
+    </mc:Choice>
+    <mc:Fallback xmlns="">
+      <p:transition spd="med">
+        <p:fade/>
+      </p:transition>
+    </mc:Fallback>
+  </mc:AlternateContent>
+</p:sld>
+</file>
+
+<file path=ppt/slides/slide13.xml><?xml version="1.0" encoding="utf-8"?>
+<p:sld xmlns:a="http://schemas.openxmlformats.org/drawingml/2006/main" xmlns:r="http://schemas.openxmlformats.org/officeDocument/2006/relationships" xmlns:p="http://schemas.openxmlformats.org/presentationml/2006/main">
+  <p:cSld>
+    <p:spTree>
+      <p:nvGrpSpPr>
+        <p:cNvPr id="1" name=""/>
+        <p:cNvGrpSpPr/>
+        <p:nvPr/>
+      </p:nvGrpSpPr>
+      <p:grpSpPr>
+        <a:xfrm>
+          <a:off x="0" y="0"/>
+          <a:ext cx="0" cy="0"/>
+          <a:chOff x="0" y="0"/>
+          <a:chExt cx="0" cy="0"/>
+        </a:xfrm>
+      </p:grpSpPr>
+      <p:sp>
+        <p:nvSpPr>
+          <p:cNvPr id="2" name="Titel 1">
+            <a:extLst>
+              <a:ext uri="{FF2B5EF4-FFF2-40B4-BE49-F238E27FC236}">
+                <a16:creationId xmlns:a16="http://schemas.microsoft.com/office/drawing/2014/main" id="{E191F1FE-5F0C-4C6E-B50C-2473621FE6CE}"/>
+              </a:ext>
+            </a:extLst>
+          </p:cNvPr>
+          <p:cNvSpPr>
+            <a:spLocks noGrp="1"/>
+          </p:cNvSpPr>
+          <p:nvPr>
+            <p:ph type="title"/>
+          </p:nvPr>
+        </p:nvSpPr>
+        <p:spPr/>
+        <p:txBody>
+          <a:bodyPr/>
+          <a:lstStyle/>
+          <a:p>
+            <a:r>
+              <a:rPr lang="de-DE" dirty="0"/>
+              <a:t> </a:t>
+            </a:r>
+          </a:p>
+        </p:txBody>
+      </p:sp>
+      <p:sp>
+        <p:nvSpPr>
+          <p:cNvPr id="3" name="Inhaltsplatzhalter 2">
+            <a:extLst>
+              <a:ext uri="{FF2B5EF4-FFF2-40B4-BE49-F238E27FC236}">
+                <a16:creationId xmlns:a16="http://schemas.microsoft.com/office/drawing/2014/main" id="{E972EBF6-8D1A-42CB-BE48-822763823006}"/>
+              </a:ext>
+            </a:extLst>
+          </p:cNvPr>
+          <p:cNvSpPr>
+            <a:spLocks noGrp="1"/>
+          </p:cNvSpPr>
+          <p:nvPr>
+            <p:ph idx="1"/>
+          </p:nvPr>
+        </p:nvSpPr>
+        <p:spPr/>
+        <p:txBody>
+          <a:bodyPr/>
+          <a:lstStyle/>
+          <a:p>
+            <a:endParaRPr lang="de-DE"/>
+          </a:p>
+        </p:txBody>
+      </p:sp>
+    </p:spTree>
+    <p:extLst>
+      <p:ext uri="{BB962C8B-B14F-4D97-AF65-F5344CB8AC3E}">
+        <p14:creationId xmlns:p14="http://schemas.microsoft.com/office/powerpoint/2010/main" val="2656089631"/>
+      </p:ext>
+    </p:extLst>
+  </p:cSld>
+  <p:clrMapOvr>
+    <a:masterClrMapping/>
+  </p:clrMapOvr>
+  <mc:AlternateContent xmlns:mc="http://schemas.openxmlformats.org/markup-compatibility/2006" xmlns:p14="http://schemas.microsoft.com/office/powerpoint/2010/main">
+    <mc:Choice Requires="p14">
+      <p:transition spd="med" p14:dur="700">
+        <p:fade/>
+      </p:transition>
+    </mc:Choice>
+    <mc:Fallback xmlns="">
+      <p:transition spd="med">
+        <p:fade/>
+      </p:transition>
+    </mc:Fallback>
+  </mc:AlternateContent>
+</p:sld>
+</file>
+
 <file path=ppt/slides/slide2.xml><?xml version="1.0" encoding="utf-8"?>
 <p:sld xmlns:a="http://schemas.openxmlformats.org/drawingml/2006/main" xmlns:r="http://schemas.openxmlformats.org/officeDocument/2006/relationships" xmlns:p="http://schemas.openxmlformats.org/presentationml/2006/main">
   <p:cSld>
@@ -6003,6 +6704,570 @@
     <p:extLst>
       <p:ext uri="{BB962C8B-B14F-4D97-AF65-F5344CB8AC3E}">
         <p14:creationId xmlns:p14="http://schemas.microsoft.com/office/powerpoint/2010/main" val="2889136740"/>
+      </p:ext>
+    </p:extLst>
+  </p:cSld>
+  <p:clrMapOvr>
+    <a:masterClrMapping/>
+  </p:clrMapOvr>
+  <mc:AlternateContent xmlns:mc="http://schemas.openxmlformats.org/markup-compatibility/2006" xmlns:p14="http://schemas.microsoft.com/office/powerpoint/2010/main">
+    <mc:Choice Requires="p14">
+      <p:transition spd="med" p14:dur="700">
+        <p:fade/>
+      </p:transition>
+    </mc:Choice>
+    <mc:Fallback xmlns="">
+      <p:transition spd="med">
+        <p:fade/>
+      </p:transition>
+    </mc:Fallback>
+  </mc:AlternateContent>
+</p:sld>
+</file>
+
+<file path=ppt/slides/slide6.xml><?xml version="1.0" encoding="utf-8"?>
+<p:sld xmlns:a="http://schemas.openxmlformats.org/drawingml/2006/main" xmlns:r="http://schemas.openxmlformats.org/officeDocument/2006/relationships" xmlns:p="http://schemas.openxmlformats.org/presentationml/2006/main">
+  <p:cSld>
+    <p:spTree>
+      <p:nvGrpSpPr>
+        <p:cNvPr id="1" name=""/>
+        <p:cNvGrpSpPr/>
+        <p:nvPr/>
+      </p:nvGrpSpPr>
+      <p:grpSpPr>
+        <a:xfrm>
+          <a:off x="0" y="0"/>
+          <a:ext cx="0" cy="0"/>
+          <a:chOff x="0" y="0"/>
+          <a:chExt cx="0" cy="0"/>
+        </a:xfrm>
+      </p:grpSpPr>
+      <p:sp>
+        <p:nvSpPr>
+          <p:cNvPr id="2" name="Titel 1">
+            <a:extLst>
+              <a:ext uri="{FF2B5EF4-FFF2-40B4-BE49-F238E27FC236}">
+                <a16:creationId xmlns:a16="http://schemas.microsoft.com/office/drawing/2014/main" id="{C8853CD1-3F44-4331-B0BA-2B6B05F9484A}"/>
+              </a:ext>
+            </a:extLst>
+          </p:cNvPr>
+          <p:cNvSpPr>
+            <a:spLocks noGrp="1"/>
+          </p:cNvSpPr>
+          <p:nvPr>
+            <p:ph type="title"/>
+          </p:nvPr>
+        </p:nvSpPr>
+        <p:spPr/>
+        <p:txBody>
+          <a:bodyPr/>
+          <a:lstStyle/>
+          <a:p>
+            <a:r>
+              <a:rPr lang="de-DE" dirty="0"/>
+              <a:t>Problem mit der Parallelisierung</a:t>
+            </a:r>
+          </a:p>
+        </p:txBody>
+      </p:sp>
+      <p:sp>
+        <p:nvSpPr>
+          <p:cNvPr id="3" name="Inhaltsplatzhalter 2">
+            <a:extLst>
+              <a:ext uri="{FF2B5EF4-FFF2-40B4-BE49-F238E27FC236}">
+                <a16:creationId xmlns:a16="http://schemas.microsoft.com/office/drawing/2014/main" id="{BA78E13C-FC09-4395-9023-A0D7A21477C7}"/>
+              </a:ext>
+            </a:extLst>
+          </p:cNvPr>
+          <p:cNvSpPr>
+            <a:spLocks noGrp="1"/>
+          </p:cNvSpPr>
+          <p:nvPr>
+            <p:ph idx="1"/>
+          </p:nvPr>
+        </p:nvSpPr>
+        <p:spPr/>
+        <p:txBody>
+          <a:bodyPr>
+            <a:normAutofit/>
+          </a:bodyPr>
+          <a:lstStyle/>
+          <a:p>
+            <a:r>
+              <a:rPr lang="de-DE" dirty="0"/>
+              <a:t>Nicht alle Aufgaben können parallel ausgeführt werden</a:t>
+            </a:r>
+          </a:p>
+          <a:p>
+            <a:r>
+              <a:rPr lang="de-DE" dirty="0"/>
+              <a:t>Ursache: Abhängigkeiten von Ergebnissen</a:t>
+            </a:r>
+          </a:p>
+          <a:p>
+            <a:endParaRPr lang="de-DE" dirty="0"/>
+          </a:p>
+          <a:p>
+            <a:r>
+              <a:rPr lang="de-DE" dirty="0"/>
+              <a:t>Heißt das Abhängigkeiten vermeiden?</a:t>
+            </a:r>
+          </a:p>
+          <a:p>
+            <a:r>
+              <a:rPr lang="de-DE" dirty="0"/>
+              <a:t>Ja</a:t>
+            </a:r>
+          </a:p>
+          <a:p>
+            <a:r>
+              <a:rPr lang="de-DE" dirty="0"/>
+              <a:t>ABER alle Abhängigkeiten vermeiden ist unmöglich</a:t>
+            </a:r>
+          </a:p>
+          <a:p>
+            <a:endParaRPr lang="de-DE" dirty="0"/>
+          </a:p>
+        </p:txBody>
+      </p:sp>
+    </p:spTree>
+    <p:extLst>
+      <p:ext uri="{BB962C8B-B14F-4D97-AF65-F5344CB8AC3E}">
+        <p14:creationId xmlns:p14="http://schemas.microsoft.com/office/powerpoint/2010/main" val="1905132003"/>
+      </p:ext>
+    </p:extLst>
+  </p:cSld>
+  <p:clrMapOvr>
+    <a:masterClrMapping/>
+  </p:clrMapOvr>
+  <mc:AlternateContent xmlns:mc="http://schemas.openxmlformats.org/markup-compatibility/2006" xmlns:p14="http://schemas.microsoft.com/office/powerpoint/2010/main">
+    <mc:Choice Requires="p14">
+      <p:transition spd="med" p14:dur="700">
+        <p:fade/>
+      </p:transition>
+    </mc:Choice>
+    <mc:Fallback xmlns="">
+      <p:transition spd="med">
+        <p:fade/>
+      </p:transition>
+    </mc:Fallback>
+  </mc:AlternateContent>
+</p:sld>
+</file>
+
+<file path=ppt/slides/slide7.xml><?xml version="1.0" encoding="utf-8"?>
+<p:sld xmlns:a="http://schemas.openxmlformats.org/drawingml/2006/main" xmlns:r="http://schemas.openxmlformats.org/officeDocument/2006/relationships" xmlns:p="http://schemas.openxmlformats.org/presentationml/2006/main">
+  <p:cSld>
+    <p:spTree>
+      <p:nvGrpSpPr>
+        <p:cNvPr id="1" name=""/>
+        <p:cNvGrpSpPr/>
+        <p:nvPr/>
+      </p:nvGrpSpPr>
+      <p:grpSpPr>
+        <a:xfrm>
+          <a:off x="0" y="0"/>
+          <a:ext cx="0" cy="0"/>
+          <a:chOff x="0" y="0"/>
+          <a:chExt cx="0" cy="0"/>
+        </a:xfrm>
+      </p:grpSpPr>
+      <p:sp>
+        <p:nvSpPr>
+          <p:cNvPr id="2" name="Titel 1">
+            <a:extLst>
+              <a:ext uri="{FF2B5EF4-FFF2-40B4-BE49-F238E27FC236}">
+                <a16:creationId xmlns:a16="http://schemas.microsoft.com/office/drawing/2014/main" id="{82DB29F9-6BBE-4FA4-BB48-CD0269641716}"/>
+              </a:ext>
+            </a:extLst>
+          </p:cNvPr>
+          <p:cNvSpPr>
+            <a:spLocks noGrp="1"/>
+          </p:cNvSpPr>
+          <p:nvPr>
+            <p:ph type="title"/>
+          </p:nvPr>
+        </p:nvSpPr>
+        <p:spPr/>
+        <p:txBody>
+          <a:bodyPr/>
+          <a:lstStyle/>
+          <a:p>
+            <a:r>
+              <a:rPr lang="de-DE" dirty="0"/>
+              <a:t>Ein weiteres Problem</a:t>
+            </a:r>
+          </a:p>
+        </p:txBody>
+      </p:sp>
+      <p:sp>
+        <p:nvSpPr>
+          <p:cNvPr id="3" name="Inhaltsplatzhalter 2">
+            <a:extLst>
+              <a:ext uri="{FF2B5EF4-FFF2-40B4-BE49-F238E27FC236}">
+                <a16:creationId xmlns:a16="http://schemas.microsoft.com/office/drawing/2014/main" id="{444586D8-233E-46EE-892D-4833B14497EC}"/>
+              </a:ext>
+            </a:extLst>
+          </p:cNvPr>
+          <p:cNvSpPr>
+            <a:spLocks noGrp="1"/>
+          </p:cNvSpPr>
+          <p:nvPr>
+            <p:ph idx="1"/>
+          </p:nvPr>
+        </p:nvSpPr>
+        <p:spPr/>
+        <p:txBody>
+          <a:bodyPr/>
+          <a:lstStyle/>
+          <a:p>
+            <a:r>
+              <a:rPr lang="de-DE" dirty="0"/>
+              <a:t>Wettrennen ich mit meinem Golf6 gegen Michael Schuhmacher</a:t>
+            </a:r>
+          </a:p>
+          <a:p>
+            <a:r>
+              <a:rPr lang="de-DE" dirty="0"/>
+              <a:t>Wer wird gewinnen?</a:t>
+            </a:r>
+          </a:p>
+          <a:p>
+            <a:endParaRPr lang="de-DE" dirty="0"/>
+          </a:p>
+          <a:p>
+            <a:r>
+              <a:rPr lang="de-DE" dirty="0"/>
+              <a:t>Rennwagen hat plötzlich Achsbruch</a:t>
+            </a:r>
+          </a:p>
+          <a:p>
+            <a:r>
+              <a:rPr lang="de-DE" dirty="0"/>
+              <a:t>Wer wird jetzt gewinnen?</a:t>
+            </a:r>
+          </a:p>
+          <a:p>
+            <a:endParaRPr lang="de-DE" dirty="0"/>
+          </a:p>
+          <a:p>
+            <a:r>
+              <a:rPr lang="de-DE" dirty="0"/>
+              <a:t>Es ist nicht Vorhersehbar wer gewinnt</a:t>
+            </a:r>
+          </a:p>
+        </p:txBody>
+      </p:sp>
+    </p:spTree>
+    <p:extLst>
+      <p:ext uri="{BB962C8B-B14F-4D97-AF65-F5344CB8AC3E}">
+        <p14:creationId xmlns:p14="http://schemas.microsoft.com/office/powerpoint/2010/main" val="2350723879"/>
+      </p:ext>
+    </p:extLst>
+  </p:cSld>
+  <p:clrMapOvr>
+    <a:masterClrMapping/>
+  </p:clrMapOvr>
+  <mc:AlternateContent xmlns:mc="http://schemas.openxmlformats.org/markup-compatibility/2006" xmlns:p14="http://schemas.microsoft.com/office/powerpoint/2010/main">
+    <mc:Choice Requires="p14">
+      <p:transition spd="med" p14:dur="700">
+        <p:fade/>
+      </p:transition>
+    </mc:Choice>
+    <mc:Fallback xmlns="">
+      <p:transition spd="med">
+        <p:fade/>
+      </p:transition>
+    </mc:Fallback>
+  </mc:AlternateContent>
+</p:sld>
+</file>
+
+<file path=ppt/slides/slide8.xml><?xml version="1.0" encoding="utf-8"?>
+<p:sld xmlns:a="http://schemas.openxmlformats.org/drawingml/2006/main" xmlns:r="http://schemas.openxmlformats.org/officeDocument/2006/relationships" xmlns:p="http://schemas.openxmlformats.org/presentationml/2006/main">
+  <p:cSld>
+    <p:spTree>
+      <p:nvGrpSpPr>
+        <p:cNvPr id="1" name=""/>
+        <p:cNvGrpSpPr/>
+        <p:nvPr/>
+      </p:nvGrpSpPr>
+      <p:grpSpPr>
+        <a:xfrm>
+          <a:off x="0" y="0"/>
+          <a:ext cx="0" cy="0"/>
+          <a:chOff x="0" y="0"/>
+          <a:chExt cx="0" cy="0"/>
+        </a:xfrm>
+      </p:grpSpPr>
+      <p:sp>
+        <p:nvSpPr>
+          <p:cNvPr id="2" name="Titel 1">
+            <a:extLst>
+              <a:ext uri="{FF2B5EF4-FFF2-40B4-BE49-F238E27FC236}">
+                <a16:creationId xmlns:a16="http://schemas.microsoft.com/office/drawing/2014/main" id="{073FE278-FE9B-4708-A411-A541AB6926B4}"/>
+              </a:ext>
+            </a:extLst>
+          </p:cNvPr>
+          <p:cNvSpPr>
+            <a:spLocks noGrp="1"/>
+          </p:cNvSpPr>
+          <p:nvPr>
+            <p:ph type="title"/>
+          </p:nvPr>
+        </p:nvSpPr>
+        <p:spPr/>
+        <p:txBody>
+          <a:bodyPr/>
+          <a:lstStyle/>
+          <a:p>
+            <a:r>
+              <a:rPr lang="de-DE" dirty="0"/>
+              <a:t>Was hat das mit paralleler Verarbeitung zu tun</a:t>
+            </a:r>
+          </a:p>
+        </p:txBody>
+      </p:sp>
+      <p:sp>
+        <p:nvSpPr>
+          <p:cNvPr id="3" name="Inhaltsplatzhalter 2">
+            <a:extLst>
+              <a:ext uri="{FF2B5EF4-FFF2-40B4-BE49-F238E27FC236}">
+                <a16:creationId xmlns:a16="http://schemas.microsoft.com/office/drawing/2014/main" id="{230FA68C-3DFA-461A-9A57-D4184871F12E}"/>
+              </a:ext>
+            </a:extLst>
+          </p:cNvPr>
+          <p:cNvSpPr>
+            <a:spLocks noGrp="1"/>
+          </p:cNvSpPr>
+          <p:nvPr>
+            <p:ph idx="1"/>
+          </p:nvPr>
+        </p:nvSpPr>
+        <p:spPr/>
+        <p:txBody>
+          <a:bodyPr/>
+          <a:lstStyle/>
+          <a:p>
+            <a:r>
+              <a:rPr lang="de-DE" dirty="0"/>
+              <a:t>Zwei Prozesse lesen Variable a</a:t>
+            </a:r>
+          </a:p>
+          <a:p>
+            <a:r>
+              <a:rPr lang="de-DE" dirty="0"/>
+              <a:t>Wird das zu einem Problem führen?</a:t>
+            </a:r>
+          </a:p>
+          <a:p>
+            <a:r>
+              <a:rPr lang="de-DE" dirty="0"/>
+              <a:t>Nein</a:t>
+            </a:r>
+          </a:p>
+          <a:p>
+            <a:endParaRPr lang="de-DE" dirty="0"/>
+          </a:p>
+          <a:p>
+            <a:r>
+              <a:rPr lang="de-DE" dirty="0"/>
+              <a:t>Zwei Prozesse schreiben Variable a</a:t>
+            </a:r>
+          </a:p>
+          <a:p>
+            <a:r>
+              <a:rPr lang="de-DE" dirty="0"/>
+              <a:t>Wird das zu einem Problem führen?</a:t>
+            </a:r>
+          </a:p>
+          <a:p>
+            <a:r>
+              <a:rPr lang="de-DE" dirty="0"/>
+              <a:t>Ja</a:t>
+            </a:r>
+          </a:p>
+        </p:txBody>
+      </p:sp>
+    </p:spTree>
+    <p:extLst>
+      <p:ext uri="{BB962C8B-B14F-4D97-AF65-F5344CB8AC3E}">
+        <p14:creationId xmlns:p14="http://schemas.microsoft.com/office/powerpoint/2010/main" val="1310568046"/>
+      </p:ext>
+    </p:extLst>
+  </p:cSld>
+  <p:clrMapOvr>
+    <a:masterClrMapping/>
+  </p:clrMapOvr>
+  <mc:AlternateContent xmlns:mc="http://schemas.openxmlformats.org/markup-compatibility/2006" xmlns:p14="http://schemas.microsoft.com/office/powerpoint/2010/main">
+    <mc:Choice Requires="p14">
+      <p:transition spd="med" p14:dur="700">
+        <p:fade/>
+      </p:transition>
+    </mc:Choice>
+    <mc:Fallback xmlns="">
+      <p:transition spd="med">
+        <p:fade/>
+      </p:transition>
+    </mc:Fallback>
+  </mc:AlternateContent>
+</p:sld>
+</file>
+
+<file path=ppt/slides/slide9.xml><?xml version="1.0" encoding="utf-8"?>
+<p:sld xmlns:a="http://schemas.openxmlformats.org/drawingml/2006/main" xmlns:r="http://schemas.openxmlformats.org/officeDocument/2006/relationships" xmlns:p="http://schemas.openxmlformats.org/presentationml/2006/main">
+  <p:cSld>
+    <p:spTree>
+      <p:nvGrpSpPr>
+        <p:cNvPr id="1" name=""/>
+        <p:cNvGrpSpPr/>
+        <p:nvPr/>
+      </p:nvGrpSpPr>
+      <p:grpSpPr>
+        <a:xfrm>
+          <a:off x="0" y="0"/>
+          <a:ext cx="0" cy="0"/>
+          <a:chOff x="0" y="0"/>
+          <a:chExt cx="0" cy="0"/>
+        </a:xfrm>
+      </p:grpSpPr>
+      <p:sp>
+        <p:nvSpPr>
+          <p:cNvPr id="2" name="Titel 1">
+            <a:extLst>
+              <a:ext uri="{FF2B5EF4-FFF2-40B4-BE49-F238E27FC236}">
+                <a16:creationId xmlns:a16="http://schemas.microsoft.com/office/drawing/2014/main" id="{9C6602A1-96C7-46DF-8291-EE8EB67DEA1C}"/>
+              </a:ext>
+            </a:extLst>
+          </p:cNvPr>
+          <p:cNvSpPr>
+            <a:spLocks noGrp="1"/>
+          </p:cNvSpPr>
+          <p:nvPr>
+            <p:ph type="title"/>
+          </p:nvPr>
+        </p:nvSpPr>
+        <p:spPr/>
+        <p:txBody>
+          <a:bodyPr/>
+          <a:lstStyle/>
+          <a:p>
+            <a:r>
+              <a:rPr lang="de-DE" dirty="0"/>
+              <a:t>Was hat das mit paralleler Verarbeitung zu tun</a:t>
+            </a:r>
+          </a:p>
+        </p:txBody>
+      </p:sp>
+      <p:sp>
+        <p:nvSpPr>
+          <p:cNvPr id="3" name="Inhaltsplatzhalter 2">
+            <a:extLst>
+              <a:ext uri="{FF2B5EF4-FFF2-40B4-BE49-F238E27FC236}">
+                <a16:creationId xmlns:a16="http://schemas.microsoft.com/office/drawing/2014/main" id="{F5FB0DFE-C9E3-4BB7-BA83-980B8DD89A9C}"/>
+              </a:ext>
+            </a:extLst>
+          </p:cNvPr>
+          <p:cNvSpPr>
+            <a:spLocks noGrp="1"/>
+          </p:cNvSpPr>
+          <p:nvPr>
+            <p:ph idx="1"/>
+          </p:nvPr>
+        </p:nvSpPr>
+        <p:spPr/>
+        <p:txBody>
+          <a:bodyPr>
+            <a:normAutofit/>
+          </a:bodyPr>
+          <a:lstStyle/>
+          <a:p>
+            <a:r>
+              <a:rPr lang="de-DE" dirty="0"/>
+              <a:t>Prozess 1 schreibt 7 in a</a:t>
+            </a:r>
+          </a:p>
+          <a:p>
+            <a:r>
+              <a:rPr lang="de-DE" dirty="0"/>
+              <a:t>Prozess 2 schreibt 32 in a</a:t>
+            </a:r>
+          </a:p>
+          <a:p>
+            <a:r>
+              <a:rPr lang="de-DE" dirty="0"/>
+              <a:t>Beide Prozesse werden gleichzeitig gestartet</a:t>
+            </a:r>
+          </a:p>
+          <a:p>
+            <a:r>
+              <a:rPr lang="de-DE" dirty="0"/>
+              <a:t>Steht jetzt 32 oder  7 in a?</a:t>
+            </a:r>
+          </a:p>
+          <a:p>
+            <a:r>
+              <a:rPr lang="de-DE" dirty="0"/>
+              <a:t>Keine Ahnung / 50% Chance für Beide</a:t>
+            </a:r>
+          </a:p>
+          <a:p>
+            <a:r>
+              <a:rPr lang="de-DE" dirty="0" err="1"/>
+              <a:t>Race</a:t>
+            </a:r>
+            <a:r>
+              <a:rPr lang="de-DE" dirty="0"/>
+              <a:t> </a:t>
+            </a:r>
+            <a:r>
+              <a:rPr lang="de-DE" dirty="0" err="1"/>
+              <a:t>Condition</a:t>
+            </a:r>
+            <a:endParaRPr lang="de-DE" dirty="0"/>
+          </a:p>
+          <a:p>
+            <a:r>
+              <a:rPr lang="de-DE" dirty="0"/>
+              <a:t>Was gibt es für Lösungen?</a:t>
+            </a:r>
+          </a:p>
+        </p:txBody>
+      </p:sp>
+      <p:pic>
+        <p:nvPicPr>
+          <p:cNvPr id="4" name="Grafik 3">
+            <a:extLst>
+              <a:ext uri="{FF2B5EF4-FFF2-40B4-BE49-F238E27FC236}">
+                <a16:creationId xmlns:a16="http://schemas.microsoft.com/office/drawing/2014/main" id="{A0577CDD-3DBA-418B-95CD-AE26163F1FE0}"/>
+              </a:ext>
+            </a:extLst>
+          </p:cNvPr>
+          <p:cNvPicPr>
+            <a:picLocks noChangeAspect="1"/>
+          </p:cNvPicPr>
+          <p:nvPr/>
+        </p:nvPicPr>
+        <p:blipFill>
+          <a:blip r:embed="rId2"/>
+          <a:stretch>
+            <a:fillRect/>
+          </a:stretch>
+        </p:blipFill>
+        <p:spPr>
+          <a:xfrm>
+            <a:off x="8110636" y="3933056"/>
+            <a:ext cx="3168483" cy="2167706"/>
+          </a:xfrm>
+          <a:prstGeom prst="rect">
+            <a:avLst/>
+          </a:prstGeom>
+        </p:spPr>
+      </p:pic>
+    </p:spTree>
+    <p:extLst>
+      <p:ext uri="{BB962C8B-B14F-4D97-AF65-F5344CB8AC3E}">
+        <p14:creationId xmlns:p14="http://schemas.microsoft.com/office/powerpoint/2010/main" val="1566797149"/>
       </p:ext>
     </p:extLst>
   </p:cSld>
@@ -6975,6 +8240,15 @@
 </file>
 
 <file path=customXml/item1.xml><?xml version="1.0" encoding="utf-8"?>
+<?mso-contentType ?>
+<FormTemplates xmlns="http://schemas.microsoft.com/sharepoint/v3/contenttype/forms">
+  <Display>DocumentLibraryForm</Display>
+  <Edit>AssetEditForm</Edit>
+  <New>DocumentLibraryForm</New>
+</FormTemplates>
+</file>
+
+<file path=customXml/item2.xml><?xml version="1.0" encoding="utf-8"?>
 <ct:contentTypeSchema xmlns:ct="http://schemas.microsoft.com/office/2006/metadata/contentType" xmlns:ma="http://schemas.microsoft.com/office/2006/metadata/properties/metaAttributes" ct:_="" ma:_="" ma:contentTypeName="TemplateFile" ma:contentTypeID="0x0101006EDDDB5EE6D98C44930B742096920B300400F5B6D36B3EF94B4E9A635CDF2A18F5B8" ma:contentTypeVersion="72" ma:contentTypeDescription="Create a new document." ma:contentTypeScope="" ma:versionID="a23e56308344d904b51738559c3d67c9">
   <xsd:schema xmlns:xsd="http://www.w3.org/2001/XMLSchema" xmlns:xs="http://www.w3.org/2001/XMLSchema" xmlns:p="http://schemas.microsoft.com/office/2006/metadata/properties" xmlns:ns2="4873beb7-5857-4685-be1f-d57550cc96cc" targetNamespace="http://schemas.microsoft.com/office/2006/metadata/properties" ma:root="true" ma:fieldsID="cd0908cc4600e77bf5da051303e00c8d" ns2:_="">
     <xsd:import namespace="4873beb7-5857-4685-be1f-d57550cc96cc"/>
@@ -8014,7 +9288,7 @@
 </ct:contentTypeSchema>
 </file>
 
-<file path=customXml/item2.xml><?xml version="1.0" encoding="utf-8"?>
+<file path=customXml/item3.xml><?xml version="1.0" encoding="utf-8"?>
 <p:properties xmlns:p="http://schemas.microsoft.com/office/2006/metadata/properties" xmlns:xsi="http://www.w3.org/2001/XMLSchema-instance" xmlns:pc="http://schemas.microsoft.com/office/infopath/2007/PartnerControls">
   <documentManagement>
     <LocPublishedLinkedAssetsLookup xmlns="4873beb7-5857-4685-be1f-d57550cc96cc" xsi:nil="true"/>
@@ -8150,16 +9424,15 @@
 </p:properties>
 </file>
 
-<file path=customXml/item3.xml><?xml version="1.0" encoding="utf-8"?>
-<?mso-contentType ?>
-<FormTemplates xmlns="http://schemas.microsoft.com/sharepoint/v3/contenttype/forms">
-  <Display>DocumentLibraryForm</Display>
-  <Edit>AssetEditForm</Edit>
-  <New>DocumentLibraryForm</New>
-</FormTemplates>
+<file path=customXml/itemProps1.xml><?xml version="1.0" encoding="utf-8"?>
+<ds:datastoreItem xmlns:ds="http://schemas.openxmlformats.org/officeDocument/2006/customXml" ds:itemID="{3836F65B-1B07-41EE-A0E8-BC6EF3855225}">
+  <ds:schemaRefs>
+    <ds:schemaRef ds:uri="http://schemas.microsoft.com/sharepoint/v3/contenttype/forms"/>
+  </ds:schemaRefs>
+</ds:datastoreItem>
 </file>
 
-<file path=customXml/itemProps1.xml><?xml version="1.0" encoding="utf-8"?>
+<file path=customXml/itemProps2.xml><?xml version="1.0" encoding="utf-8"?>
 <ds:datastoreItem xmlns:ds="http://schemas.openxmlformats.org/officeDocument/2006/customXml" ds:itemID="{A09BF4D4-EF60-4196-BFC3-9462D607978C}">
   <ds:schemaRefs>
     <ds:schemaRef ds:uri="http://schemas.microsoft.com/office/2006/metadata/contentType"/>
@@ -8177,7 +9450,7 @@
 </ds:datastoreItem>
 </file>
 
-<file path=customXml/itemProps2.xml><?xml version="1.0" encoding="utf-8"?>
+<file path=customXml/itemProps3.xml><?xml version="1.0" encoding="utf-8"?>
 <ds:datastoreItem xmlns:ds="http://schemas.openxmlformats.org/officeDocument/2006/customXml" ds:itemID="{60C67BEE-D13F-4BD2-98A5-34D8A0977F68}">
   <ds:schemaRefs>
     <ds:schemaRef ds:uri="4873beb7-5857-4685-be1f-d57550cc96cc"/>
@@ -8191,12 +9464,4 @@
     <ds:schemaRef ds:uri="http://purl.org/dc/dcmitype/"/>
   </ds:schemaRefs>
 </ds:datastoreItem>
-</file>
-
-<file path=customXml/itemProps3.xml><?xml version="1.0" encoding="utf-8"?>
-<ds:datastoreItem xmlns:ds="http://schemas.openxmlformats.org/officeDocument/2006/customXml" ds:itemID="{3836F65B-1B07-41EE-A0E8-BC6EF3855225}">
-  <ds:schemaRefs>
-    <ds:schemaRef ds:uri="http://schemas.microsoft.com/sharepoint/v3/contenttype/forms"/>
-  </ds:schemaRefs>
-</ds:datastoreItem>
 </file>
--- a/Ausblick Parallelisierung von Prozessen.pptx
+++ b/Ausblick Parallelisierung von Prozessen.pptx
@@ -179,7 +179,7 @@
   <pc:docChgLst>
     <pc:chgData name="Julius Seiferth" userId="ea979142e5c49f80" providerId="LiveId" clId="{89BF07EE-2B37-4F3D-95D0-167A3C6A7FE7}"/>
     <pc:docChg chg="undo redo custSel addSld delSld modSld sldOrd">
-      <pc:chgData name="Julius Seiferth" userId="ea979142e5c49f80" providerId="LiveId" clId="{89BF07EE-2B37-4F3D-95D0-167A3C6A7FE7}" dt="2021-11-27T12:28:02.160" v="3745"/>
+      <pc:chgData name="Julius Seiferth" userId="ea979142e5c49f80" providerId="LiveId" clId="{89BF07EE-2B37-4F3D-95D0-167A3C6A7FE7}" dt="2021-12-06T20:19:35.576" v="3786" actId="207"/>
       <pc:docMkLst>
         <pc:docMk/>
       </pc:docMkLst>
@@ -190,12 +190,20 @@
           <pc:sldMk cId="3122070794" sldId="259"/>
         </pc:sldMkLst>
       </pc:sldChg>
-      <pc:sldChg chg="modAnim">
-        <pc:chgData name="Julius Seiferth" userId="ea979142e5c49f80" providerId="LiveId" clId="{89BF07EE-2B37-4F3D-95D0-167A3C6A7FE7}" dt="2021-11-27T12:14:27.786" v="3702"/>
+      <pc:sldChg chg="modSp modAnim">
+        <pc:chgData name="Julius Seiferth" userId="ea979142e5c49f80" providerId="LiveId" clId="{89BF07EE-2B37-4F3D-95D0-167A3C6A7FE7}" dt="2021-12-06T20:13:34.573" v="3751" actId="207"/>
         <pc:sldMkLst>
           <pc:docMk/>
           <pc:sldMk cId="840122428" sldId="260"/>
         </pc:sldMkLst>
+        <pc:spChg chg="mod">
+          <ac:chgData name="Julius Seiferth" userId="ea979142e5c49f80" providerId="LiveId" clId="{89BF07EE-2B37-4F3D-95D0-167A3C6A7FE7}" dt="2021-12-06T20:13:34.573" v="3751" actId="207"/>
+          <ac:spMkLst>
+            <pc:docMk/>
+            <pc:sldMk cId="840122428" sldId="260"/>
+            <ac:spMk id="3" creationId="{72ECC25C-F7F9-480C-BC01-228C2111A14A}"/>
+          </ac:spMkLst>
+        </pc:spChg>
       </pc:sldChg>
       <pc:sldChg chg="modAnim">
         <pc:chgData name="Julius Seiferth" userId="ea979142e5c49f80" providerId="LiveId" clId="{89BF07EE-2B37-4F3D-95D0-167A3C6A7FE7}" dt="2021-11-27T12:15:00.907" v="3706"/>
@@ -205,13 +213,13 @@
         </pc:sldMkLst>
       </pc:sldChg>
       <pc:sldChg chg="modSp mod modAnim">
-        <pc:chgData name="Julius Seiferth" userId="ea979142e5c49f80" providerId="LiveId" clId="{89BF07EE-2B37-4F3D-95D0-167A3C6A7FE7}" dt="2021-11-27T12:15:35.589" v="3710"/>
+        <pc:chgData name="Julius Seiferth" userId="ea979142e5c49f80" providerId="LiveId" clId="{89BF07EE-2B37-4F3D-95D0-167A3C6A7FE7}" dt="2021-12-06T20:14:15.280" v="3752" actId="207"/>
         <pc:sldMkLst>
           <pc:docMk/>
           <pc:sldMk cId="1905132003" sldId="262"/>
         </pc:sldMkLst>
         <pc:spChg chg="mod">
-          <ac:chgData name="Julius Seiferth" userId="ea979142e5c49f80" providerId="LiveId" clId="{89BF07EE-2B37-4F3D-95D0-167A3C6A7FE7}" dt="2021-11-26T11:49:38.436" v="334" actId="27636"/>
+          <ac:chgData name="Julius Seiferth" userId="ea979142e5c49f80" providerId="LiveId" clId="{89BF07EE-2B37-4F3D-95D0-167A3C6A7FE7}" dt="2021-12-06T20:14:15.280" v="3752" actId="207"/>
           <ac:spMkLst>
             <pc:docMk/>
             <pc:sldMk cId="1905132003" sldId="262"/>
@@ -220,13 +228,13 @@
         </pc:spChg>
       </pc:sldChg>
       <pc:sldChg chg="modSp mod modAnim">
-        <pc:chgData name="Julius Seiferth" userId="ea979142e5c49f80" providerId="LiveId" clId="{89BF07EE-2B37-4F3D-95D0-167A3C6A7FE7}" dt="2021-11-27T12:18:36.260" v="3725"/>
+        <pc:chgData name="Julius Seiferth" userId="ea979142e5c49f80" providerId="LiveId" clId="{89BF07EE-2B37-4F3D-95D0-167A3C6A7FE7}" dt="2021-12-06T20:15:25.694" v="3768" actId="207"/>
         <pc:sldMkLst>
           <pc:docMk/>
           <pc:sldMk cId="3781734561" sldId="263"/>
         </pc:sldMkLst>
         <pc:spChg chg="mod">
-          <ac:chgData name="Julius Seiferth" userId="ea979142e5c49f80" providerId="LiveId" clId="{89BF07EE-2B37-4F3D-95D0-167A3C6A7FE7}" dt="2021-11-26T10:07:06.624" v="193" actId="20577"/>
+          <ac:chgData name="Julius Seiferth" userId="ea979142e5c49f80" providerId="LiveId" clId="{89BF07EE-2B37-4F3D-95D0-167A3C6A7FE7}" dt="2021-12-06T20:15:25.694" v="3768" actId="207"/>
           <ac:spMkLst>
             <pc:docMk/>
             <pc:sldMk cId="3781734561" sldId="263"/>
@@ -235,7 +243,7 @@
         </pc:spChg>
       </pc:sldChg>
       <pc:sldChg chg="modSp new mod ord modAnim">
-        <pc:chgData name="Julius Seiferth" userId="ea979142e5c49f80" providerId="LiveId" clId="{89BF07EE-2B37-4F3D-95D0-167A3C6A7FE7}" dt="2021-11-27T12:16:23.139" v="3713"/>
+        <pc:chgData name="Julius Seiferth" userId="ea979142e5c49f80" providerId="LiveId" clId="{89BF07EE-2B37-4F3D-95D0-167A3C6A7FE7}" dt="2021-12-06T20:14:45.355" v="3762" actId="207"/>
         <pc:sldMkLst>
           <pc:docMk/>
           <pc:sldMk cId="2350723879" sldId="264"/>
@@ -249,7 +257,7 @@
           </ac:spMkLst>
         </pc:spChg>
         <pc:spChg chg="mod">
-          <ac:chgData name="Julius Seiferth" userId="ea979142e5c49f80" providerId="LiveId" clId="{89BF07EE-2B37-4F3D-95D0-167A3C6A7FE7}" dt="2021-11-26T11:52:51.738" v="460" actId="20577"/>
+          <ac:chgData name="Julius Seiferth" userId="ea979142e5c49f80" providerId="LiveId" clId="{89BF07EE-2B37-4F3D-95D0-167A3C6A7FE7}" dt="2021-12-06T20:14:45.355" v="3762" actId="207"/>
           <ac:spMkLst>
             <pc:docMk/>
             <pc:sldMk cId="2350723879" sldId="264"/>
@@ -281,7 +289,7 @@
         </pc:spChg>
       </pc:sldChg>
       <pc:sldChg chg="addSp modSp new mod modAnim">
-        <pc:chgData name="Julius Seiferth" userId="ea979142e5c49f80" providerId="LiveId" clId="{89BF07EE-2B37-4F3D-95D0-167A3C6A7FE7}" dt="2021-11-27T12:18:18.892" v="3723"/>
+        <pc:chgData name="Julius Seiferth" userId="ea979142e5c49f80" providerId="LiveId" clId="{89BF07EE-2B37-4F3D-95D0-167A3C6A7FE7}" dt="2021-12-06T20:14:59.587" v="3763" actId="207"/>
         <pc:sldMkLst>
           <pc:docMk/>
           <pc:sldMk cId="1566797149" sldId="266"/>
@@ -295,7 +303,7 @@
           </ac:spMkLst>
         </pc:spChg>
         <pc:spChg chg="mod">
-          <ac:chgData name="Julius Seiferth" userId="ea979142e5c49f80" providerId="LiveId" clId="{89BF07EE-2B37-4F3D-95D0-167A3C6A7FE7}" dt="2021-11-26T12:02:42.219" v="883" actId="20577"/>
+          <ac:chgData name="Julius Seiferth" userId="ea979142e5c49f80" providerId="LiveId" clId="{89BF07EE-2B37-4F3D-95D0-167A3C6A7FE7}" dt="2021-12-06T20:14:59.587" v="3763" actId="207"/>
           <ac:spMkLst>
             <pc:docMk/>
             <pc:sldMk cId="1566797149" sldId="266"/>
@@ -312,7 +320,7 @@
         </pc:picChg>
       </pc:sldChg>
       <pc:sldChg chg="modSp new mod">
-        <pc:chgData name="Julius Seiferth" userId="ea979142e5c49f80" providerId="LiveId" clId="{89BF07EE-2B37-4F3D-95D0-167A3C6A7FE7}" dt="2021-11-27T09:24:04.544" v="1440" actId="20577"/>
+        <pc:chgData name="Julius Seiferth" userId="ea979142e5c49f80" providerId="LiveId" clId="{89BF07EE-2B37-4F3D-95D0-167A3C6A7FE7}" dt="2021-12-06T20:15:49.711" v="3770" actId="207"/>
         <pc:sldMkLst>
           <pc:docMk/>
           <pc:sldMk cId="3224483387" sldId="267"/>
@@ -326,7 +334,7 @@
           </ac:spMkLst>
         </pc:spChg>
         <pc:spChg chg="mod">
-          <ac:chgData name="Julius Seiferth" userId="ea979142e5c49f80" providerId="LiveId" clId="{89BF07EE-2B37-4F3D-95D0-167A3C6A7FE7}" dt="2021-11-27T09:24:04.544" v="1440" actId="20577"/>
+          <ac:chgData name="Julius Seiferth" userId="ea979142e5c49f80" providerId="LiveId" clId="{89BF07EE-2B37-4F3D-95D0-167A3C6A7FE7}" dt="2021-12-06T20:15:49.711" v="3770" actId="207"/>
           <ac:spMkLst>
             <pc:docMk/>
             <pc:sldMk cId="3224483387" sldId="267"/>
@@ -335,7 +343,7 @@
         </pc:spChg>
       </pc:sldChg>
       <pc:sldChg chg="modSp new mod">
-        <pc:chgData name="Julius Seiferth" userId="ea979142e5c49f80" providerId="LiveId" clId="{89BF07EE-2B37-4F3D-95D0-167A3C6A7FE7}" dt="2021-11-26T13:14:34.561" v="1414" actId="20578"/>
+        <pc:chgData name="Julius Seiferth" userId="ea979142e5c49f80" providerId="LiveId" clId="{89BF07EE-2B37-4F3D-95D0-167A3C6A7FE7}" dt="2021-12-06T20:16:05.269" v="3772" actId="20577"/>
         <pc:sldMkLst>
           <pc:docMk/>
           <pc:sldMk cId="2193191655" sldId="268"/>
@@ -349,7 +357,7 @@
           </ac:spMkLst>
         </pc:spChg>
         <pc:spChg chg="mod">
-          <ac:chgData name="Julius Seiferth" userId="ea979142e5c49f80" providerId="LiveId" clId="{89BF07EE-2B37-4F3D-95D0-167A3C6A7FE7}" dt="2021-11-26T13:14:34.561" v="1414" actId="20578"/>
+          <ac:chgData name="Julius Seiferth" userId="ea979142e5c49f80" providerId="LiveId" clId="{89BF07EE-2B37-4F3D-95D0-167A3C6A7FE7}" dt="2021-12-06T20:16:05.269" v="3772" actId="20577"/>
           <ac:spMkLst>
             <pc:docMk/>
             <pc:sldMk cId="2193191655" sldId="268"/>
@@ -396,7 +404,7 @@
         </pc:spChg>
       </pc:sldChg>
       <pc:sldChg chg="modSp new mod">
-        <pc:chgData name="Julius Seiferth" userId="ea979142e5c49f80" providerId="LiveId" clId="{89BF07EE-2B37-4F3D-95D0-167A3C6A7FE7}" dt="2021-11-27T09:51:15.139" v="1758" actId="20577"/>
+        <pc:chgData name="Julius Seiferth" userId="ea979142e5c49f80" providerId="LiveId" clId="{89BF07EE-2B37-4F3D-95D0-167A3C6A7FE7}" dt="2021-12-06T20:16:42.373" v="3775" actId="20577"/>
         <pc:sldMkLst>
           <pc:docMk/>
           <pc:sldMk cId="3783798433" sldId="270"/>
@@ -410,7 +418,7 @@
           </ac:spMkLst>
         </pc:spChg>
         <pc:spChg chg="mod">
-          <ac:chgData name="Julius Seiferth" userId="ea979142e5c49f80" providerId="LiveId" clId="{89BF07EE-2B37-4F3D-95D0-167A3C6A7FE7}" dt="2021-11-27T09:51:15.139" v="1758" actId="20577"/>
+          <ac:chgData name="Julius Seiferth" userId="ea979142e5c49f80" providerId="LiveId" clId="{89BF07EE-2B37-4F3D-95D0-167A3C6A7FE7}" dt="2021-12-06T20:16:42.373" v="3775" actId="20577"/>
           <ac:spMkLst>
             <pc:docMk/>
             <pc:sldMk cId="3783798433" sldId="270"/>
@@ -583,7 +591,7 @@
         </pc:graphicFrameChg>
       </pc:sldChg>
       <pc:sldChg chg="modSp new mod">
-        <pc:chgData name="Julius Seiferth" userId="ea979142e5c49f80" providerId="LiveId" clId="{89BF07EE-2B37-4F3D-95D0-167A3C6A7FE7}" dt="2021-11-27T10:19:38.478" v="2176" actId="20577"/>
+        <pc:chgData name="Julius Seiferth" userId="ea979142e5c49f80" providerId="LiveId" clId="{89BF07EE-2B37-4F3D-95D0-167A3C6A7FE7}" dt="2021-12-06T20:17:28.119" v="3779" actId="207"/>
         <pc:sldMkLst>
           <pc:docMk/>
           <pc:sldMk cId="2301843465" sldId="275"/>
@@ -597,7 +605,7 @@
           </ac:spMkLst>
         </pc:spChg>
         <pc:spChg chg="mod">
-          <ac:chgData name="Julius Seiferth" userId="ea979142e5c49f80" providerId="LiveId" clId="{89BF07EE-2B37-4F3D-95D0-167A3C6A7FE7}" dt="2021-11-27T10:19:38.478" v="2176" actId="20577"/>
+          <ac:chgData name="Julius Seiferth" userId="ea979142e5c49f80" providerId="LiveId" clId="{89BF07EE-2B37-4F3D-95D0-167A3C6A7FE7}" dt="2021-12-06T20:17:28.119" v="3779" actId="207"/>
           <ac:spMkLst>
             <pc:docMk/>
             <pc:sldMk cId="2301843465" sldId="275"/>
@@ -606,7 +614,7 @@
         </pc:spChg>
       </pc:sldChg>
       <pc:sldChg chg="modSp new mod modAnim">
-        <pc:chgData name="Julius Seiferth" userId="ea979142e5c49f80" providerId="LiveId" clId="{89BF07EE-2B37-4F3D-95D0-167A3C6A7FE7}" dt="2021-11-27T12:23:15.953" v="3735"/>
+        <pc:chgData name="Julius Seiferth" userId="ea979142e5c49f80" providerId="LiveId" clId="{89BF07EE-2B37-4F3D-95D0-167A3C6A7FE7}" dt="2021-12-06T20:18:30.094" v="3780" actId="20577"/>
         <pc:sldMkLst>
           <pc:docMk/>
           <pc:sldMk cId="1387484060" sldId="276"/>
@@ -620,7 +628,7 @@
           </ac:spMkLst>
         </pc:spChg>
         <pc:spChg chg="mod">
-          <ac:chgData name="Julius Seiferth" userId="ea979142e5c49f80" providerId="LiveId" clId="{89BF07EE-2B37-4F3D-95D0-167A3C6A7FE7}" dt="2021-11-27T10:28:02.870" v="2563" actId="20577"/>
+          <ac:chgData name="Julius Seiferth" userId="ea979142e5c49f80" providerId="LiveId" clId="{89BF07EE-2B37-4F3D-95D0-167A3C6A7FE7}" dt="2021-12-06T20:18:30.094" v="3780" actId="20577"/>
           <ac:spMkLst>
             <pc:docMk/>
             <pc:sldMk cId="1387484060" sldId="276"/>
@@ -873,7 +881,7 @@
         </pc:spChg>
       </pc:sldChg>
       <pc:sldChg chg="modSp new mod ord modAnim">
-        <pc:chgData name="Julius Seiferth" userId="ea979142e5c49f80" providerId="LiveId" clId="{89BF07EE-2B37-4F3D-95D0-167A3C6A7FE7}" dt="2021-11-27T12:28:02.160" v="3745"/>
+        <pc:chgData name="Julius Seiferth" userId="ea979142e5c49f80" providerId="LiveId" clId="{89BF07EE-2B37-4F3D-95D0-167A3C6A7FE7}" dt="2021-12-06T20:19:35.576" v="3786" actId="207"/>
         <pc:sldMkLst>
           <pc:docMk/>
           <pc:sldMk cId="3654605991" sldId="288"/>
@@ -887,7 +895,7 @@
           </ac:spMkLst>
         </pc:spChg>
         <pc:spChg chg="mod">
-          <ac:chgData name="Julius Seiferth" userId="ea979142e5c49f80" providerId="LiveId" clId="{89BF07EE-2B37-4F3D-95D0-167A3C6A7FE7}" dt="2021-11-27T12:12:22.073" v="3694" actId="20577"/>
+          <ac:chgData name="Julius Seiferth" userId="ea979142e5c49f80" providerId="LiveId" clId="{89BF07EE-2B37-4F3D-95D0-167A3C6A7FE7}" dt="2021-12-06T20:19:35.576" v="3786" actId="207"/>
           <ac:spMkLst>
             <pc:docMk/>
             <pc:sldMk cId="3654605991" sldId="288"/>
@@ -1115,7 +1123,7 @@
             <a:pPr algn="r" rtl="0"/>
             <a:fld id="{EA8C5A89-D750-4C9C-AD82-BD87E1631370}" type="datetime1">
               <a:rPr lang="de-DE" smtClean="0"/>
-              <a:t>27.11.2021</a:t>
+              <a:t>06.12.2021</a:t>
             </a:fld>
             <a:endParaRPr lang="de-DE" dirty="0"/>
           </a:p>
@@ -1285,7 +1293,7 @@
             <a:fld id="{729E0972-DB1D-4D71-93B8-56ECB99C47FF}" type="datetime1">
               <a:rPr lang="de-DE" smtClean="0"/>
               <a:pPr/>
-              <a:t>27.11.2021</a:t>
+              <a:t>06.12.2021</a:t>
             </a:fld>
             <a:endParaRPr lang="de-DE" dirty="0"/>
           </a:p>
@@ -2403,7 +2411,7 @@
             <a:fld id="{87490488-1D2D-45FC-A42D-25F856479C81}" type="datetime1">
               <a:rPr lang="de-DE" smtClean="0"/>
               <a:pPr/>
-              <a:t>27.11.2021</a:t>
+              <a:t>06.12.2021</a:t>
             </a:fld>
             <a:endParaRPr lang="de-DE" dirty="0"/>
           </a:p>
@@ -2609,7 +2617,7 @@
             <a:fld id="{A0E48D7D-22EE-42F4-A78D-BF51DA417E59}" type="datetime1">
               <a:rPr lang="de-DE" smtClean="0"/>
               <a:pPr/>
-              <a:t>27.11.2021</a:t>
+              <a:t>06.12.2021</a:t>
             </a:fld>
             <a:endParaRPr lang="de-DE" dirty="0"/>
           </a:p>
@@ -2825,7 +2833,7 @@
             <a:fld id="{29457F39-CBF0-4D6E-8223-6AABCE028B0C}" type="datetime1">
               <a:rPr lang="de-DE" smtClean="0"/>
               <a:pPr/>
-              <a:t>27.11.2021</a:t>
+              <a:t>06.12.2021</a:t>
             </a:fld>
             <a:endParaRPr lang="de-DE" dirty="0"/>
           </a:p>
@@ -3031,7 +3039,7 @@
             <a:fld id="{3D80A33B-F0D3-4CCD-934C-3A418D338F48}" type="datetime1">
               <a:rPr lang="de-DE" smtClean="0"/>
               <a:pPr/>
-              <a:t>27.11.2021</a:t>
+              <a:t>06.12.2021</a:t>
             </a:fld>
             <a:endParaRPr lang="de-DE" dirty="0"/>
           </a:p>
@@ -3471,7 +3479,7 @@
             <a:fld id="{5800029A-92A0-4B83-B83D-3D25E123C16B}" type="datetime1">
               <a:rPr lang="de-DE" smtClean="0"/>
               <a:pPr/>
-              <a:t>27.11.2021</a:t>
+              <a:t>06.12.2021</a:t>
             </a:fld>
             <a:endParaRPr lang="de-DE" dirty="0"/>
           </a:p>
@@ -3783,7 +3791,7 @@
             <a:fld id="{A50DE14F-832E-4243-A64C-072E4112B828}" type="datetime1">
               <a:rPr lang="de-DE" smtClean="0"/>
               <a:pPr/>
-              <a:t>27.11.2021</a:t>
+              <a:t>06.12.2021</a:t>
             </a:fld>
             <a:endParaRPr lang="de-DE" dirty="0"/>
           </a:p>
@@ -4247,7 +4255,7 @@
             <a:fld id="{9CA0E625-2BCF-471C-BF07-3E47DAD03A33}" type="datetime1">
               <a:rPr lang="de-DE" smtClean="0"/>
               <a:pPr/>
-              <a:t>27.11.2021</a:t>
+              <a:t>06.12.2021</a:t>
             </a:fld>
             <a:endParaRPr lang="de-DE" dirty="0"/>
           </a:p>
@@ -4385,7 +4393,7 @@
             <a:fld id="{01F216F1-5E6C-4D1E-8B04-BA461CF83008}" type="datetime1">
               <a:rPr lang="de-DE" smtClean="0"/>
               <a:pPr/>
-              <a:t>27.11.2021</a:t>
+              <a:t>06.12.2021</a:t>
             </a:fld>
             <a:endParaRPr lang="de-DE" dirty="0"/>
           </a:p>
@@ -4499,7 +4507,7 @@
             <a:fld id="{978460F5-0682-4F91-B958-17F2E22238F4}" type="datetime1">
               <a:rPr lang="de-DE" smtClean="0"/>
               <a:pPr/>
-              <a:t>27.11.2021</a:t>
+              <a:t>06.12.2021</a:t>
             </a:fld>
             <a:endParaRPr lang="de-DE" dirty="0"/>
           </a:p>
@@ -4806,7 +4814,7 @@
             <a:fld id="{432E1AF8-0C97-41FF-9C69-BFEB0F5A6EF5}" type="datetime1">
               <a:rPr lang="de-DE" smtClean="0"/>
               <a:pPr/>
-              <a:t>27.11.2021</a:t>
+              <a:t>06.12.2021</a:t>
             </a:fld>
             <a:endParaRPr lang="de-DE" dirty="0"/>
           </a:p>
@@ -5103,7 +5111,7 @@
             <a:fld id="{9DAA85DC-AC20-450F-8EFE-0D856D5BDC88}" type="datetime1">
               <a:rPr lang="de-DE" smtClean="0"/>
               <a:pPr/>
-              <a:t>27.11.2021</a:t>
+              <a:t>06.12.2021</a:t>
             </a:fld>
             <a:endParaRPr lang="de-DE" dirty="0"/>
           </a:p>
@@ -5727,7 +5735,7 @@
             <a:fld id="{D5E7EBCA-1808-4B9E-8140-5B390D90011A}" type="datetime1">
               <a:rPr lang="de-DE" smtClean="0"/>
               <a:pPr/>
-              <a:t>27.11.2021</a:t>
+              <a:t>06.12.2021</a:t>
             </a:fld>
             <a:endParaRPr lang="de-DE" dirty="0"/>
           </a:p>
@@ -6346,25 +6354,69 @@
           <a:p>
             <a:r>
               <a:rPr lang="de-DE" dirty="0"/>
-              <a:t>Prozesse können andere Prozesse starten</a:t>
+              <a:t>Prozesse können andere Prozesse </a:t>
+            </a:r>
+            <a:r>
+              <a:rPr lang="de-DE" dirty="0">
+                <a:solidFill>
+                  <a:srgbClr val="FF0000"/>
+                </a:solidFill>
+              </a:rPr>
+              <a:t>starten</a:t>
             </a:r>
           </a:p>
           <a:p>
             <a:r>
               <a:rPr lang="de-DE" dirty="0"/>
-              <a:t>Prozesse können andere Prozesse unterbrechen</a:t>
+              <a:t>Prozesse können andere Prozesse </a:t>
+            </a:r>
+            <a:r>
+              <a:rPr lang="de-DE" dirty="0">
+                <a:solidFill>
+                  <a:srgbClr val="FF0000"/>
+                </a:solidFill>
+              </a:rPr>
+              <a:t>unterbrechen</a:t>
             </a:r>
           </a:p>
           <a:p>
             <a:r>
               <a:rPr lang="de-DE" dirty="0"/>
-              <a:t>Prozesse können andere Prozesse beenden</a:t>
+              <a:t>Prozesse können andere Prozesse </a:t>
+            </a:r>
+            <a:r>
+              <a:rPr lang="de-DE" dirty="0">
+                <a:solidFill>
+                  <a:srgbClr val="FF0000"/>
+                </a:solidFill>
+              </a:rPr>
+              <a:t>beenden</a:t>
             </a:r>
           </a:p>
           <a:p>
             <a:r>
               <a:rPr lang="de-DE" dirty="0"/>
-              <a:t>Prozesse können den Status anderer Prozesse abfragen</a:t>
+              <a:t>Prozesse können den </a:t>
+            </a:r>
+            <a:r>
+              <a:rPr lang="de-DE" dirty="0">
+                <a:solidFill>
+                  <a:srgbClr val="FF0000"/>
+                </a:solidFill>
+              </a:rPr>
+              <a:t>Status</a:t>
+            </a:r>
+            <a:r>
+              <a:rPr lang="de-DE" dirty="0"/>
+              <a:t> anderer Prozesse </a:t>
+            </a:r>
+            <a:r>
+              <a:rPr lang="de-DE" dirty="0">
+                <a:solidFill>
+                  <a:srgbClr val="FF0000"/>
+                </a:solidFill>
+              </a:rPr>
+              <a:t>abfragen</a:t>
             </a:r>
           </a:p>
         </p:txBody>
@@ -6966,8 +7018,28 @@
           </a:p>
           <a:p>
             <a:r>
+              <a:rPr lang="de-DE" dirty="0">
+                <a:solidFill>
+                  <a:srgbClr val="FF0000"/>
+                </a:solidFill>
+              </a:rPr>
+              <a:t>Verwalten</a:t>
+            </a:r>
+            <a:r>
               <a:rPr lang="de-DE" dirty="0"/>
-              <a:t>Verwalten von Ressourcen, Absichern von geschützten Bereichen</a:t>
+              <a:t> von Ressourcen, </a:t>
+            </a:r>
+            <a:r>
+              <a:rPr lang="de-DE" dirty="0">
+                <a:solidFill>
+                  <a:srgbClr val="FF0000"/>
+                </a:solidFill>
+              </a:rPr>
+              <a:t>Absichern</a:t>
+            </a:r>
+            <a:r>
+              <a:rPr lang="de-DE" dirty="0"/>
+              <a:t> von geschützten Bereichen</a:t>
             </a:r>
           </a:p>
           <a:p>
@@ -7104,13 +7176,13 @@
           <a:p>
             <a:r>
               <a:rPr lang="de-DE" dirty="0"/>
-              <a:t>Wenn a dekrementiert wurde kann der Prozess die Ressource nutzen</a:t>
+              <a:t>Wenn a dekrementiert wurde, kann der Prozess die Ressource nutzen</a:t>
             </a:r>
           </a:p>
           <a:p>
             <a:r>
               <a:rPr lang="de-DE" dirty="0"/>
-              <a:t>Wenn a nicht dekrementiert wurde muss der Prozess warten</a:t>
+              <a:t>Wenn a nicht dekrementiert wurde, muss der Prozess warten</a:t>
             </a:r>
           </a:p>
           <a:p>
@@ -7771,13 +7843,13 @@
   <p:clrMapOvr>
     <a:masterClrMapping/>
   </p:clrMapOvr>
-  <mc:AlternateContent xmlns:mc="http://schemas.openxmlformats.org/markup-compatibility/2006">
-    <mc:Choice xmlns:p14="http://schemas.microsoft.com/office/powerpoint/2010/main" Requires="p14">
+  <mc:AlternateContent xmlns:mc="http://schemas.openxmlformats.org/markup-compatibility/2006" xmlns:p14="http://schemas.microsoft.com/office/powerpoint/2010/main">
+    <mc:Choice Requires="p14">
       <p:transition spd="med" p14:dur="700">
         <p:fade/>
       </p:transition>
     </mc:Choice>
-    <mc:Fallback>
+    <mc:Fallback xmlns="">
       <p:transition spd="med">
         <p:fade/>
       </p:transition>
@@ -8081,6 +8153,9 @@
           <a:p>
             <a:r>
               <a:rPr lang="de-DE" dirty="0">
+                <a:solidFill>
+                  <a:srgbClr val="FF0000"/>
+                </a:solidFill>
                 <a:latin typeface="Arial" panose="020B0604020202020204" pitchFamily="34" charset="0"/>
               </a:rPr>
               <a:t>Unteilbare Aufgabe</a:t>
@@ -8105,7 +8180,7 @@
             </a:r>
             <a:r>
               <a:rPr lang="de-DE" dirty="0"/>
-              <a:t>-Abfrage und das dekrementieren sind zwei atomare Operationen</a:t>
+              <a:t>-Abfrage und das Dekrementieren sind zwei atomare Operationen</a:t>
             </a:r>
           </a:p>
           <a:p>
@@ -10068,14 +10143,26 @@
           <a:lstStyle/>
           <a:p>
             <a:r>
+              <a:rPr lang="de-DE" dirty="0">
+                <a:solidFill>
+                  <a:srgbClr val="FF0000"/>
+                </a:solidFill>
+              </a:rPr>
+              <a:t>Fließband-Verarbeitung</a:t>
+            </a:r>
+          </a:p>
+          <a:p>
+            <a:r>
               <a:rPr lang="de-DE" dirty="0"/>
-              <a:t>Fließband Verarbeitung</a:t>
-            </a:r>
-          </a:p>
-          <a:p>
-            <a:r>
-              <a:rPr lang="de-DE" dirty="0"/>
-              <a:t>Aufteilen des Problems in Teilprobleme und Schritte</a:t>
+              <a:t>Aufteilen des Problems in </a:t>
+            </a:r>
+            <a:r>
+              <a:rPr lang="de-DE" dirty="0">
+                <a:solidFill>
+                  <a:srgbClr val="FF0000"/>
+                </a:solidFill>
+              </a:rPr>
+              <a:t>Teilprobleme und Schritte</a:t>
             </a:r>
           </a:p>
           <a:p>
@@ -10328,7 +10415,7 @@
           <a:p>
             <a:r>
               <a:rPr lang="de-DE" dirty="0"/>
-              <a:t>Fast alle Probleme die parallel gelöst werden können, können auch sequentiell gelöst werden</a:t>
+              <a:t>Fast alle Probleme, die parallel gelöst werden können, können auch sequentiell gelöst werden</a:t>
             </a:r>
           </a:p>
           <a:p>
@@ -11837,13 +11924,13 @@
   <p:clrMapOvr>
     <a:masterClrMapping/>
   </p:clrMapOvr>
-  <mc:AlternateContent xmlns:mc="http://schemas.openxmlformats.org/markup-compatibility/2006">
-    <mc:Choice xmlns:p14="http://schemas.microsoft.com/office/powerpoint/2010/main" Requires="p14">
+  <mc:AlternateContent xmlns:mc="http://schemas.openxmlformats.org/markup-compatibility/2006" xmlns:p14="http://schemas.microsoft.com/office/powerpoint/2010/main">
+    <mc:Choice Requires="p14">
       <p:transition spd="med" p14:dur="700">
         <p:fade/>
       </p:transition>
     </mc:Choice>
-    <mc:Fallback>
+    <mc:Fallback xmlns="">
       <p:transition spd="med">
         <p:fade/>
       </p:transition>
@@ -12287,13 +12374,13 @@
   <p:clrMapOvr>
     <a:masterClrMapping/>
   </p:clrMapOvr>
-  <mc:AlternateContent xmlns:mc="http://schemas.openxmlformats.org/markup-compatibility/2006">
-    <mc:Choice xmlns:p14="http://schemas.microsoft.com/office/powerpoint/2010/main" Requires="p14">
+  <mc:AlternateContent xmlns:mc="http://schemas.openxmlformats.org/markup-compatibility/2006" xmlns:p14="http://schemas.microsoft.com/office/powerpoint/2010/main">
+    <mc:Choice Requires="p14">
       <p:transition spd="med" p14:dur="700">
         <p:fade/>
       </p:transition>
     </mc:Choice>
-    <mc:Fallback>
+    <mc:Fallback xmlns="">
       <p:transition spd="med">
         <p:fade/>
       </p:transition>
@@ -12536,13 +12623,13 @@
   <p:clrMapOvr>
     <a:masterClrMapping/>
   </p:clrMapOvr>
-  <mc:AlternateContent xmlns:mc="http://schemas.openxmlformats.org/markup-compatibility/2006">
-    <mc:Choice xmlns:p14="http://schemas.microsoft.com/office/powerpoint/2010/main" Requires="p14">
+  <mc:AlternateContent xmlns:mc="http://schemas.openxmlformats.org/markup-compatibility/2006" xmlns:p14="http://schemas.microsoft.com/office/powerpoint/2010/main">
+    <mc:Choice Requires="p14">
       <p:transition spd="med" p14:dur="700">
         <p:fade/>
       </p:transition>
     </mc:Choice>
-    <mc:Fallback>
+    <mc:Fallback xmlns="">
       <p:transition spd="med">
         <p:fade/>
       </p:transition>
@@ -14048,13 +14135,37 @@
           <a:p>
             <a:r>
               <a:rPr lang="de-DE" dirty="0"/>
-              <a:t>Das Ergebnis darf nicht Vorhersehbar sein</a:t>
-            </a:r>
-          </a:p>
-          <a:p>
+              <a:t>Das Ergebnis darf </a:t>
+            </a:r>
+            <a:r>
+              <a:rPr lang="de-DE" dirty="0">
+                <a:solidFill>
+                  <a:srgbClr val="FF0000"/>
+                </a:solidFill>
+              </a:rPr>
+              <a:t>nicht vorhersehbar </a:t>
+            </a:r>
             <a:r>
               <a:rPr lang="de-DE" dirty="0"/>
-              <a:t>Das Ergebnis darf nicht Beeinflussbar sein</a:t>
+              <a:t>sein</a:t>
+            </a:r>
+          </a:p>
+          <a:p>
+            <a:r>
+              <a:rPr lang="de-DE" dirty="0"/>
+              <a:t>Das Ergebnis darf </a:t>
+            </a:r>
+            <a:r>
+              <a:rPr lang="de-DE" dirty="0">
+                <a:solidFill>
+                  <a:srgbClr val="FF0000"/>
+                </a:solidFill>
+              </a:rPr>
+              <a:t>nicht beeinflussbar </a:t>
+            </a:r>
+            <a:r>
+              <a:rPr lang="de-DE" dirty="0"/>
+              <a:t>sein</a:t>
             </a:r>
           </a:p>
           <a:p>
@@ -14551,7 +14662,19 @@
           <a:p>
             <a:r>
               <a:rPr lang="de-DE" dirty="0"/>
-              <a:t>Prozesse die gleichzeitig Ausgeführt werden können</a:t>
+              <a:t>Prozesse die </a:t>
+            </a:r>
+            <a:r>
+              <a:rPr lang="de-DE" dirty="0">
+                <a:solidFill>
+                  <a:srgbClr val="FF0000"/>
+                </a:solidFill>
+              </a:rPr>
+              <a:t>gleichzeitig ausgeführt</a:t>
+            </a:r>
+            <a:r>
+              <a:rPr lang="de-DE" dirty="0"/>
+              <a:t> werden können</a:t>
             </a:r>
           </a:p>
           <a:p>
@@ -14563,7 +14686,19 @@
           <a:p>
             <a:r>
               <a:rPr lang="de-DE" dirty="0"/>
-              <a:t>Was heißt jetzt Unabhängig?</a:t>
+              <a:t>Was heißt jetzt </a:t>
+            </a:r>
+            <a:r>
+              <a:rPr lang="de-DE" dirty="0">
+                <a:solidFill>
+                  <a:srgbClr val="FF0000"/>
+                </a:solidFill>
+              </a:rPr>
+              <a:t>unabhängig</a:t>
+            </a:r>
+            <a:r>
+              <a:rPr lang="de-DE" dirty="0"/>
+              <a:t>?</a:t>
             </a:r>
           </a:p>
         </p:txBody>
@@ -15991,7 +16126,15 @@
           <a:p>
             <a:r>
               <a:rPr lang="de-DE" dirty="0"/>
-              <a:t>Ursache: Abhängigkeiten von Ergebnissen</a:t>
+              <a:t>Ursache: </a:t>
+            </a:r>
+            <a:r>
+              <a:rPr lang="de-DE" dirty="0">
+                <a:solidFill>
+                  <a:srgbClr val="FF0000"/>
+                </a:solidFill>
+              </a:rPr>
+              <a:t>Abhängigkeiten von Ergebnissen</a:t>
             </a:r>
           </a:p>
           <a:p>
@@ -16640,7 +16783,7 @@
           <a:p>
             <a:r>
               <a:rPr lang="de-DE" dirty="0"/>
-              <a:t>Wettrennen ich mit meinem Golf6 gegen Michael Schuhmacher</a:t>
+              <a:t>Wettrennen: Ich mit meinem Golf6 gegen Michael Schuhmacher</a:t>
             </a:r>
           </a:p>
           <a:p>
@@ -16670,7 +16813,19 @@
           <a:p>
             <a:r>
               <a:rPr lang="de-DE" dirty="0"/>
-              <a:t>Es ist nicht Vorhersehbar wer gewinnt</a:t>
+              <a:t>Es ist </a:t>
+            </a:r>
+            <a:r>
+              <a:rPr lang="de-DE" dirty="0">
+                <a:solidFill>
+                  <a:srgbClr val="FF0000"/>
+                </a:solidFill>
+              </a:rPr>
+              <a:t>nicht vorhersehbar </a:t>
+            </a:r>
+            <a:r>
+              <a:rPr lang="de-DE" dirty="0"/>
+              <a:t>wer gewinnt</a:t>
             </a:r>
           </a:p>
         </p:txBody>
@@ -18051,18 +18206,34 @@
           </a:p>
           <a:p>
             <a:r>
-              <a:rPr lang="de-DE" dirty="0" err="1"/>
+              <a:rPr lang="de-DE" dirty="0" err="1">
+                <a:solidFill>
+                  <a:srgbClr val="FF0000"/>
+                </a:solidFill>
+              </a:rPr>
               <a:t>Race</a:t>
             </a:r>
             <a:r>
-              <a:rPr lang="de-DE" dirty="0"/>
+              <a:rPr lang="de-DE" dirty="0">
+                <a:solidFill>
+                  <a:srgbClr val="FF0000"/>
+                </a:solidFill>
+              </a:rPr>
               <a:t> </a:t>
             </a:r>
             <a:r>
-              <a:rPr lang="de-DE" dirty="0" err="1"/>
+              <a:rPr lang="de-DE" dirty="0" err="1">
+                <a:solidFill>
+                  <a:srgbClr val="FF0000"/>
+                </a:solidFill>
+              </a:rPr>
               <a:t>Condition</a:t>
             </a:r>
-            <a:endParaRPr lang="de-DE" dirty="0"/>
+            <a:endParaRPr lang="de-DE" dirty="0">
+              <a:solidFill>
+                <a:srgbClr val="FF0000"/>
+              </a:solidFill>
+            </a:endParaRPr>
           </a:p>
           <a:p>
             <a:r>
@@ -19884,6 +20055,15 @@
 </file>
 
 <file path=customXml/item1.xml><?xml version="1.0" encoding="utf-8"?>
+<?mso-contentType ?>
+<FormTemplates xmlns="http://schemas.microsoft.com/sharepoint/v3/contenttype/forms">
+  <Display>DocumentLibraryForm</Display>
+  <Edit>AssetEditForm</Edit>
+  <New>DocumentLibraryForm</New>
+</FormTemplates>
+</file>
+
+<file path=customXml/item2.xml><?xml version="1.0" encoding="utf-8"?>
 <ct:contentTypeSchema xmlns:ct="http://schemas.microsoft.com/office/2006/metadata/contentType" xmlns:ma="http://schemas.microsoft.com/office/2006/metadata/properties/metaAttributes" ct:_="" ma:_="" ma:contentTypeName="TemplateFile" ma:contentTypeID="0x0101006EDDDB5EE6D98C44930B742096920B300400F5B6D36B3EF94B4E9A635CDF2A18F5B8" ma:contentTypeVersion="72" ma:contentTypeDescription="Create a new document." ma:contentTypeScope="" ma:versionID="a23e56308344d904b51738559c3d67c9">
   <xsd:schema xmlns:xsd="http://www.w3.org/2001/XMLSchema" xmlns:xs="http://www.w3.org/2001/XMLSchema" xmlns:p="http://schemas.microsoft.com/office/2006/metadata/properties" xmlns:ns2="4873beb7-5857-4685-be1f-d57550cc96cc" targetNamespace="http://schemas.microsoft.com/office/2006/metadata/properties" ma:root="true" ma:fieldsID="cd0908cc4600e77bf5da051303e00c8d" ns2:_="">
     <xsd:import namespace="4873beb7-5857-4685-be1f-d57550cc96cc"/>
@@ -20923,15 +21103,6 @@
 </ct:contentTypeSchema>
 </file>
 
-<file path=customXml/item2.xml><?xml version="1.0" encoding="utf-8"?>
-<?mso-contentType ?>
-<FormTemplates xmlns="http://schemas.microsoft.com/sharepoint/v3/contenttype/forms">
-  <Display>DocumentLibraryForm</Display>
-  <Edit>AssetEditForm</Edit>
-  <New>DocumentLibraryForm</New>
-</FormTemplates>
-</file>
-
 <file path=customXml/item3.xml><?xml version="1.0" encoding="utf-8"?>
 <p:properties xmlns:p="http://schemas.microsoft.com/office/2006/metadata/properties" xmlns:xsi="http://www.w3.org/2001/XMLSchema-instance" xmlns:pc="http://schemas.microsoft.com/office/infopath/2007/PartnerControls">
   <documentManagement>
@@ -21069,6 +21240,14 @@
 </file>
 
 <file path=customXml/itemProps1.xml><?xml version="1.0" encoding="utf-8"?>
+<ds:datastoreItem xmlns:ds="http://schemas.openxmlformats.org/officeDocument/2006/customXml" ds:itemID="{3836F65B-1B07-41EE-A0E8-BC6EF3855225}">
+  <ds:schemaRefs>
+    <ds:schemaRef ds:uri="http://schemas.microsoft.com/sharepoint/v3/contenttype/forms"/>
+  </ds:schemaRefs>
+</ds:datastoreItem>
+</file>
+
+<file path=customXml/itemProps2.xml><?xml version="1.0" encoding="utf-8"?>
 <ds:datastoreItem xmlns:ds="http://schemas.openxmlformats.org/officeDocument/2006/customXml" ds:itemID="{A09BF4D4-EF60-4196-BFC3-9462D607978C}">
   <ds:schemaRefs>
     <ds:schemaRef ds:uri="http://schemas.microsoft.com/office/2006/metadata/contentType"/>
@@ -21082,14 +21261,6 @@
     <ds:schemaRef ds:uri="http://purl.org/dc/elements/1.1/"/>
     <ds:schemaRef ds:uri="http://purl.org/dc/terms/"/>
     <ds:schemaRef ds:uri="http://schemas.microsoft.com/internal/obd"/>
-  </ds:schemaRefs>
-</ds:datastoreItem>
-</file>
-
-<file path=customXml/itemProps2.xml><?xml version="1.0" encoding="utf-8"?>
-<ds:datastoreItem xmlns:ds="http://schemas.openxmlformats.org/officeDocument/2006/customXml" ds:itemID="{3836F65B-1B07-41EE-A0E8-BC6EF3855225}">
-  <ds:schemaRefs>
-    <ds:schemaRef ds:uri="http://schemas.microsoft.com/sharepoint/v3/contenttype/forms"/>
   </ds:schemaRefs>
 </ds:datastoreItem>
 </file>
